--- a/JCP/figs/domain_schematics/risingBubble.pptx
+++ b/JCP/figs/domain_schematics/risingBubble.pptx
@@ -2,12 +2,12 @@
 <file path=ppt/presentation.xml><?xml version="1.0" encoding="utf-8"?>
 <p:presentation xmlns:a="http://schemas.openxmlformats.org/drawingml/2006/main" xmlns:r="http://schemas.openxmlformats.org/officeDocument/2006/relationships" xmlns:p="http://schemas.openxmlformats.org/presentationml/2006/main" saveSubsetFonts="1">
   <p:sldMasterIdLst>
-    <p:sldMasterId id="2147483672" r:id="rId1"/>
+    <p:sldMasterId id="2147483744" r:id="rId1"/>
   </p:sldMasterIdLst>
   <p:sldIdLst>
     <p:sldId id="256" r:id="rId2"/>
   </p:sldIdLst>
-  <p:sldSz cx="5715000" cy="9144000" type="screen16x10"/>
+  <p:sldSz cx="7040563" cy="9326563"/>
   <p:notesSz cx="6858000" cy="9144000"/>
   <p:defaultTextStyle>
     <a:defPPr>
@@ -141,15 +141,15 @@
         </p:nvSpPr>
         <p:spPr>
           <a:xfrm>
-            <a:off x="428625" y="1496484"/>
-            <a:ext cx="4857750" cy="3183467"/>
+            <a:off x="528042" y="1526362"/>
+            <a:ext cx="5984479" cy="3247026"/>
           </a:xfrm>
         </p:spPr>
         <p:txBody>
           <a:bodyPr anchor="b"/>
           <a:lstStyle>
             <a:lvl1pPr algn="ctr">
-              <a:defRPr sz="3750"/>
+              <a:defRPr sz="4620"/>
             </a:lvl1pPr>
           </a:lstStyle>
           <a:p>
@@ -173,8 +173,8 @@
         </p:nvSpPr>
         <p:spPr>
           <a:xfrm>
-            <a:off x="714375" y="4802717"/>
-            <a:ext cx="4286250" cy="2207683"/>
+            <a:off x="880071" y="4898605"/>
+            <a:ext cx="5280422" cy="2251760"/>
           </a:xfrm>
         </p:spPr>
         <p:txBody>
@@ -182,39 +182,39 @@
           <a:lstStyle>
             <a:lvl1pPr marL="0" indent="0" algn="ctr">
               <a:buNone/>
-              <a:defRPr sz="1500"/>
+              <a:defRPr sz="1848"/>
             </a:lvl1pPr>
-            <a:lvl2pPr marL="285750" indent="0" algn="ctr">
-              <a:buNone/>
-              <a:defRPr sz="1250"/>
+            <a:lvl2pPr marL="352044" indent="0" algn="ctr">
+              <a:buNone/>
+              <a:defRPr sz="1540"/>
             </a:lvl2pPr>
-            <a:lvl3pPr marL="571500" indent="0" algn="ctr">
-              <a:buNone/>
-              <a:defRPr sz="1125"/>
+            <a:lvl3pPr marL="704088" indent="0" algn="ctr">
+              <a:buNone/>
+              <a:defRPr sz="1386"/>
             </a:lvl3pPr>
-            <a:lvl4pPr marL="857250" indent="0" algn="ctr">
-              <a:buNone/>
-              <a:defRPr sz="1000"/>
+            <a:lvl4pPr marL="1056132" indent="0" algn="ctr">
+              <a:buNone/>
+              <a:defRPr sz="1232"/>
             </a:lvl4pPr>
-            <a:lvl5pPr marL="1143000" indent="0" algn="ctr">
-              <a:buNone/>
-              <a:defRPr sz="1000"/>
+            <a:lvl5pPr marL="1408176" indent="0" algn="ctr">
+              <a:buNone/>
+              <a:defRPr sz="1232"/>
             </a:lvl5pPr>
-            <a:lvl6pPr marL="1428750" indent="0" algn="ctr">
-              <a:buNone/>
-              <a:defRPr sz="1000"/>
+            <a:lvl6pPr marL="1760220" indent="0" algn="ctr">
+              <a:buNone/>
+              <a:defRPr sz="1232"/>
             </a:lvl6pPr>
-            <a:lvl7pPr marL="1714500" indent="0" algn="ctr">
-              <a:buNone/>
-              <a:defRPr sz="1000"/>
+            <a:lvl7pPr marL="2112264" indent="0" algn="ctr">
+              <a:buNone/>
+              <a:defRPr sz="1232"/>
             </a:lvl7pPr>
-            <a:lvl8pPr marL="2000250" indent="0" algn="ctr">
-              <a:buNone/>
-              <a:defRPr sz="1000"/>
+            <a:lvl8pPr marL="2464308" indent="0" algn="ctr">
+              <a:buNone/>
+              <a:defRPr sz="1232"/>
             </a:lvl8pPr>
-            <a:lvl9pPr marL="2286000" indent="0" algn="ctr">
-              <a:buNone/>
-              <a:defRPr sz="1000"/>
+            <a:lvl9pPr marL="2816352" indent="0" algn="ctr">
+              <a:buNone/>
+              <a:defRPr sz="1232"/>
             </a:lvl9pPr>
           </a:lstStyle>
           <a:p>
@@ -243,7 +243,7 @@
           <a:p>
             <a:fld id="{EA69AB3C-1A45-4681-BC17-85E44D931731}" type="datetimeFigureOut">
               <a:rPr lang="en-US" smtClean="0"/>
-              <a:t>9/29/2021</a:t>
+              <a:t>10/13/2021</a:t>
             </a:fld>
             <a:endParaRPr lang="en-US"/>
           </a:p>
@@ -294,7 +294,7 @@
     </p:spTree>
     <p:extLst>
       <p:ext uri="{BB962C8B-B14F-4D97-AF65-F5344CB8AC3E}">
-        <p14:creationId xmlns:p14="http://schemas.microsoft.com/office/powerpoint/2010/main" val="126954667"/>
+        <p14:creationId xmlns:p14="http://schemas.microsoft.com/office/powerpoint/2010/main" val="3271702070"/>
       </p:ext>
     </p:extLst>
   </p:cSld>
@@ -413,7 +413,7 @@
           <a:p>
             <a:fld id="{EA69AB3C-1A45-4681-BC17-85E44D931731}" type="datetimeFigureOut">
               <a:rPr lang="en-US" smtClean="0"/>
-              <a:t>9/29/2021</a:t>
+              <a:t>10/13/2021</a:t>
             </a:fld>
             <a:endParaRPr lang="en-US"/>
           </a:p>
@@ -464,7 +464,7 @@
     </p:spTree>
     <p:extLst>
       <p:ext uri="{BB962C8B-B14F-4D97-AF65-F5344CB8AC3E}">
-        <p14:creationId xmlns:p14="http://schemas.microsoft.com/office/powerpoint/2010/main" val="4171826557"/>
+        <p14:creationId xmlns:p14="http://schemas.microsoft.com/office/powerpoint/2010/main" val="589097257"/>
       </p:ext>
     </p:extLst>
   </p:cSld>
@@ -503,8 +503,8 @@
         </p:nvSpPr>
         <p:spPr>
           <a:xfrm>
-            <a:off x="4089797" y="486834"/>
-            <a:ext cx="1232297" cy="7749117"/>
+            <a:off x="5038403" y="496553"/>
+            <a:ext cx="1518121" cy="7903831"/>
           </a:xfrm>
         </p:spPr>
         <p:txBody>
@@ -531,8 +531,8 @@
         </p:nvSpPr>
         <p:spPr>
           <a:xfrm>
-            <a:off x="392907" y="486834"/>
-            <a:ext cx="3625453" cy="7749117"/>
+            <a:off x="484039" y="496553"/>
+            <a:ext cx="4466357" cy="7903831"/>
           </a:xfrm>
         </p:spPr>
         <p:txBody>
@@ -593,7 +593,7 @@
           <a:p>
             <a:fld id="{EA69AB3C-1A45-4681-BC17-85E44D931731}" type="datetimeFigureOut">
               <a:rPr lang="en-US" smtClean="0"/>
-              <a:t>9/29/2021</a:t>
+              <a:t>10/13/2021</a:t>
             </a:fld>
             <a:endParaRPr lang="en-US"/>
           </a:p>
@@ -644,7 +644,7 @@
     </p:spTree>
     <p:extLst>
       <p:ext uri="{BB962C8B-B14F-4D97-AF65-F5344CB8AC3E}">
-        <p14:creationId xmlns:p14="http://schemas.microsoft.com/office/powerpoint/2010/main" val="375871953"/>
+        <p14:creationId xmlns:p14="http://schemas.microsoft.com/office/powerpoint/2010/main" val="654792468"/>
       </p:ext>
     </p:extLst>
   </p:cSld>
@@ -763,7 +763,7 @@
           <a:p>
             <a:fld id="{EA69AB3C-1A45-4681-BC17-85E44D931731}" type="datetimeFigureOut">
               <a:rPr lang="en-US" smtClean="0"/>
-              <a:t>9/29/2021</a:t>
+              <a:t>10/13/2021</a:t>
             </a:fld>
             <a:endParaRPr lang="en-US"/>
           </a:p>
@@ -814,7 +814,7 @@
     </p:spTree>
     <p:extLst>
       <p:ext uri="{BB962C8B-B14F-4D97-AF65-F5344CB8AC3E}">
-        <p14:creationId xmlns:p14="http://schemas.microsoft.com/office/powerpoint/2010/main" val="903186182"/>
+        <p14:creationId xmlns:p14="http://schemas.microsoft.com/office/powerpoint/2010/main" val="588631399"/>
       </p:ext>
     </p:extLst>
   </p:cSld>
@@ -853,15 +853,15 @@
         </p:nvSpPr>
         <p:spPr>
           <a:xfrm>
-            <a:off x="389930" y="2279653"/>
-            <a:ext cx="4929188" cy="3803649"/>
+            <a:off x="480372" y="2325167"/>
+            <a:ext cx="6072486" cy="3879590"/>
           </a:xfrm>
         </p:spPr>
         <p:txBody>
           <a:bodyPr anchor="b"/>
           <a:lstStyle>
             <a:lvl1pPr>
-              <a:defRPr sz="3750"/>
+              <a:defRPr sz="4620"/>
             </a:lvl1pPr>
           </a:lstStyle>
           <a:p>
@@ -885,8 +885,8 @@
         </p:nvSpPr>
         <p:spPr>
           <a:xfrm>
-            <a:off x="389930" y="6119286"/>
-            <a:ext cx="4929188" cy="2000249"/>
+            <a:off x="480372" y="6241460"/>
+            <a:ext cx="6072486" cy="2040185"/>
           </a:xfrm>
         </p:spPr>
         <p:txBody>
@@ -894,15 +894,15 @@
           <a:lstStyle>
             <a:lvl1pPr marL="0" indent="0">
               <a:buNone/>
-              <a:defRPr sz="1500">
+              <a:defRPr sz="1848">
                 <a:solidFill>
                   <a:schemeClr val="tx1"/>
                 </a:solidFill>
               </a:defRPr>
             </a:lvl1pPr>
-            <a:lvl2pPr marL="285750" indent="0">
-              <a:buNone/>
-              <a:defRPr sz="1250">
+            <a:lvl2pPr marL="352044" indent="0">
+              <a:buNone/>
+              <a:defRPr sz="1540">
                 <a:solidFill>
                   <a:schemeClr val="tx1">
                     <a:tint val="75000"/>
@@ -910,9 +910,9 @@
                 </a:solidFill>
               </a:defRPr>
             </a:lvl2pPr>
-            <a:lvl3pPr marL="571500" indent="0">
-              <a:buNone/>
-              <a:defRPr sz="1125">
+            <a:lvl3pPr marL="704088" indent="0">
+              <a:buNone/>
+              <a:defRPr sz="1386">
                 <a:solidFill>
                   <a:schemeClr val="tx1">
                     <a:tint val="75000"/>
@@ -920,9 +920,9 @@
                 </a:solidFill>
               </a:defRPr>
             </a:lvl3pPr>
-            <a:lvl4pPr marL="857250" indent="0">
-              <a:buNone/>
-              <a:defRPr sz="1000">
+            <a:lvl4pPr marL="1056132" indent="0">
+              <a:buNone/>
+              <a:defRPr sz="1232">
                 <a:solidFill>
                   <a:schemeClr val="tx1">
                     <a:tint val="75000"/>
@@ -930,9 +930,9 @@
                 </a:solidFill>
               </a:defRPr>
             </a:lvl4pPr>
-            <a:lvl5pPr marL="1143000" indent="0">
-              <a:buNone/>
-              <a:defRPr sz="1000">
+            <a:lvl5pPr marL="1408176" indent="0">
+              <a:buNone/>
+              <a:defRPr sz="1232">
                 <a:solidFill>
                   <a:schemeClr val="tx1">
                     <a:tint val="75000"/>
@@ -940,9 +940,9 @@
                 </a:solidFill>
               </a:defRPr>
             </a:lvl5pPr>
-            <a:lvl6pPr marL="1428750" indent="0">
-              <a:buNone/>
-              <a:defRPr sz="1000">
+            <a:lvl6pPr marL="1760220" indent="0">
+              <a:buNone/>
+              <a:defRPr sz="1232">
                 <a:solidFill>
                   <a:schemeClr val="tx1">
                     <a:tint val="75000"/>
@@ -950,9 +950,9 @@
                 </a:solidFill>
               </a:defRPr>
             </a:lvl6pPr>
-            <a:lvl7pPr marL="1714500" indent="0">
-              <a:buNone/>
-              <a:defRPr sz="1000">
+            <a:lvl7pPr marL="2112264" indent="0">
+              <a:buNone/>
+              <a:defRPr sz="1232">
                 <a:solidFill>
                   <a:schemeClr val="tx1">
                     <a:tint val="75000"/>
@@ -960,9 +960,9 @@
                 </a:solidFill>
               </a:defRPr>
             </a:lvl7pPr>
-            <a:lvl8pPr marL="2000250" indent="0">
-              <a:buNone/>
-              <a:defRPr sz="1000">
+            <a:lvl8pPr marL="2464308" indent="0">
+              <a:buNone/>
+              <a:defRPr sz="1232">
                 <a:solidFill>
                   <a:schemeClr val="tx1">
                     <a:tint val="75000"/>
@@ -970,9 +970,9 @@
                 </a:solidFill>
               </a:defRPr>
             </a:lvl8pPr>
-            <a:lvl9pPr marL="2286000" indent="0">
-              <a:buNone/>
-              <a:defRPr sz="1000">
+            <a:lvl9pPr marL="2816352" indent="0">
+              <a:buNone/>
+              <a:defRPr sz="1232">
                 <a:solidFill>
                   <a:schemeClr val="tx1">
                     <a:tint val="75000"/>
@@ -1007,7 +1007,7 @@
           <a:p>
             <a:fld id="{EA69AB3C-1A45-4681-BC17-85E44D931731}" type="datetimeFigureOut">
               <a:rPr lang="en-US" smtClean="0"/>
-              <a:t>9/29/2021</a:t>
+              <a:t>10/13/2021</a:t>
             </a:fld>
             <a:endParaRPr lang="en-US"/>
           </a:p>
@@ -1058,7 +1058,7 @@
     </p:spTree>
     <p:extLst>
       <p:ext uri="{BB962C8B-B14F-4D97-AF65-F5344CB8AC3E}">
-        <p14:creationId xmlns:p14="http://schemas.microsoft.com/office/powerpoint/2010/main" val="3065069696"/>
+        <p14:creationId xmlns:p14="http://schemas.microsoft.com/office/powerpoint/2010/main" val="215729593"/>
       </p:ext>
     </p:extLst>
   </p:cSld>
@@ -1120,8 +1120,8 @@
         </p:nvSpPr>
         <p:spPr>
           <a:xfrm>
-            <a:off x="392906" y="2434167"/>
-            <a:ext cx="2428875" cy="5801784"/>
+            <a:off x="484039" y="2482765"/>
+            <a:ext cx="2992239" cy="5917619"/>
           </a:xfrm>
         </p:spPr>
         <p:txBody>
@@ -1177,8 +1177,8 @@
         </p:nvSpPr>
         <p:spPr>
           <a:xfrm>
-            <a:off x="2893219" y="2434167"/>
-            <a:ext cx="2428875" cy="5801784"/>
+            <a:off x="3564285" y="2482765"/>
+            <a:ext cx="2992239" cy="5917619"/>
           </a:xfrm>
         </p:spPr>
         <p:txBody>
@@ -1239,7 +1239,7 @@
           <a:p>
             <a:fld id="{EA69AB3C-1A45-4681-BC17-85E44D931731}" type="datetimeFigureOut">
               <a:rPr lang="en-US" smtClean="0"/>
-              <a:t>9/29/2021</a:t>
+              <a:t>10/13/2021</a:t>
             </a:fld>
             <a:endParaRPr lang="en-US"/>
           </a:p>
@@ -1290,7 +1290,7 @@
     </p:spTree>
     <p:extLst>
       <p:ext uri="{BB962C8B-B14F-4D97-AF65-F5344CB8AC3E}">
-        <p14:creationId xmlns:p14="http://schemas.microsoft.com/office/powerpoint/2010/main" val="2727968006"/>
+        <p14:creationId xmlns:p14="http://schemas.microsoft.com/office/powerpoint/2010/main" val="1022590741"/>
       </p:ext>
     </p:extLst>
   </p:cSld>
@@ -1329,8 +1329,8 @@
         </p:nvSpPr>
         <p:spPr>
           <a:xfrm>
-            <a:off x="393650" y="486836"/>
-            <a:ext cx="4929188" cy="1767417"/>
+            <a:off x="484956" y="496555"/>
+            <a:ext cx="6072486" cy="1802704"/>
           </a:xfrm>
         </p:spPr>
         <p:txBody>
@@ -1357,8 +1357,8 @@
         </p:nvSpPr>
         <p:spPr>
           <a:xfrm>
-            <a:off x="393651" y="2241551"/>
-            <a:ext cx="2417713" cy="1098549"/>
+            <a:off x="484956" y="2286304"/>
+            <a:ext cx="2978488" cy="1120482"/>
           </a:xfrm>
         </p:spPr>
         <p:txBody>
@@ -1366,39 +1366,39 @@
           <a:lstStyle>
             <a:lvl1pPr marL="0" indent="0">
               <a:buNone/>
-              <a:defRPr sz="1500" b="1"/>
+              <a:defRPr sz="1848" b="1"/>
             </a:lvl1pPr>
-            <a:lvl2pPr marL="285750" indent="0">
-              <a:buNone/>
-              <a:defRPr sz="1250" b="1"/>
+            <a:lvl2pPr marL="352044" indent="0">
+              <a:buNone/>
+              <a:defRPr sz="1540" b="1"/>
             </a:lvl2pPr>
-            <a:lvl3pPr marL="571500" indent="0">
-              <a:buNone/>
-              <a:defRPr sz="1125" b="1"/>
+            <a:lvl3pPr marL="704088" indent="0">
+              <a:buNone/>
+              <a:defRPr sz="1386" b="1"/>
             </a:lvl3pPr>
-            <a:lvl4pPr marL="857250" indent="0">
-              <a:buNone/>
-              <a:defRPr sz="1000" b="1"/>
+            <a:lvl4pPr marL="1056132" indent="0">
+              <a:buNone/>
+              <a:defRPr sz="1232" b="1"/>
             </a:lvl4pPr>
-            <a:lvl5pPr marL="1143000" indent="0">
-              <a:buNone/>
-              <a:defRPr sz="1000" b="1"/>
+            <a:lvl5pPr marL="1408176" indent="0">
+              <a:buNone/>
+              <a:defRPr sz="1232" b="1"/>
             </a:lvl5pPr>
-            <a:lvl6pPr marL="1428750" indent="0">
-              <a:buNone/>
-              <a:defRPr sz="1000" b="1"/>
+            <a:lvl6pPr marL="1760220" indent="0">
+              <a:buNone/>
+              <a:defRPr sz="1232" b="1"/>
             </a:lvl6pPr>
-            <a:lvl7pPr marL="1714500" indent="0">
-              <a:buNone/>
-              <a:defRPr sz="1000" b="1"/>
+            <a:lvl7pPr marL="2112264" indent="0">
+              <a:buNone/>
+              <a:defRPr sz="1232" b="1"/>
             </a:lvl7pPr>
-            <a:lvl8pPr marL="2000250" indent="0">
-              <a:buNone/>
-              <a:defRPr sz="1000" b="1"/>
+            <a:lvl8pPr marL="2464308" indent="0">
+              <a:buNone/>
+              <a:defRPr sz="1232" b="1"/>
             </a:lvl8pPr>
-            <a:lvl9pPr marL="2286000" indent="0">
-              <a:buNone/>
-              <a:defRPr sz="1000" b="1"/>
+            <a:lvl9pPr marL="2816352" indent="0">
+              <a:buNone/>
+              <a:defRPr sz="1232" b="1"/>
             </a:lvl9pPr>
           </a:lstStyle>
           <a:p>
@@ -1422,8 +1422,8 @@
         </p:nvSpPr>
         <p:spPr>
           <a:xfrm>
-            <a:off x="393651" y="3340100"/>
-            <a:ext cx="2417713" cy="4912784"/>
+            <a:off x="484956" y="3406786"/>
+            <a:ext cx="2978488" cy="5010869"/>
           </a:xfrm>
         </p:spPr>
         <p:txBody>
@@ -1479,8 +1479,8 @@
         </p:nvSpPr>
         <p:spPr>
           <a:xfrm>
-            <a:off x="2893219" y="2241551"/>
-            <a:ext cx="2429619" cy="1098549"/>
+            <a:off x="3564286" y="2286304"/>
+            <a:ext cx="2993156" cy="1120482"/>
           </a:xfrm>
         </p:spPr>
         <p:txBody>
@@ -1488,39 +1488,39 @@
           <a:lstStyle>
             <a:lvl1pPr marL="0" indent="0">
               <a:buNone/>
-              <a:defRPr sz="1500" b="1"/>
+              <a:defRPr sz="1848" b="1"/>
             </a:lvl1pPr>
-            <a:lvl2pPr marL="285750" indent="0">
-              <a:buNone/>
-              <a:defRPr sz="1250" b="1"/>
+            <a:lvl2pPr marL="352044" indent="0">
+              <a:buNone/>
+              <a:defRPr sz="1540" b="1"/>
             </a:lvl2pPr>
-            <a:lvl3pPr marL="571500" indent="0">
-              <a:buNone/>
-              <a:defRPr sz="1125" b="1"/>
+            <a:lvl3pPr marL="704088" indent="0">
+              <a:buNone/>
+              <a:defRPr sz="1386" b="1"/>
             </a:lvl3pPr>
-            <a:lvl4pPr marL="857250" indent="0">
-              <a:buNone/>
-              <a:defRPr sz="1000" b="1"/>
+            <a:lvl4pPr marL="1056132" indent="0">
+              <a:buNone/>
+              <a:defRPr sz="1232" b="1"/>
             </a:lvl4pPr>
-            <a:lvl5pPr marL="1143000" indent="0">
-              <a:buNone/>
-              <a:defRPr sz="1000" b="1"/>
+            <a:lvl5pPr marL="1408176" indent="0">
+              <a:buNone/>
+              <a:defRPr sz="1232" b="1"/>
             </a:lvl5pPr>
-            <a:lvl6pPr marL="1428750" indent="0">
-              <a:buNone/>
-              <a:defRPr sz="1000" b="1"/>
+            <a:lvl6pPr marL="1760220" indent="0">
+              <a:buNone/>
+              <a:defRPr sz="1232" b="1"/>
             </a:lvl6pPr>
-            <a:lvl7pPr marL="1714500" indent="0">
-              <a:buNone/>
-              <a:defRPr sz="1000" b="1"/>
+            <a:lvl7pPr marL="2112264" indent="0">
+              <a:buNone/>
+              <a:defRPr sz="1232" b="1"/>
             </a:lvl7pPr>
-            <a:lvl8pPr marL="2000250" indent="0">
-              <a:buNone/>
-              <a:defRPr sz="1000" b="1"/>
+            <a:lvl8pPr marL="2464308" indent="0">
+              <a:buNone/>
+              <a:defRPr sz="1232" b="1"/>
             </a:lvl8pPr>
-            <a:lvl9pPr marL="2286000" indent="0">
-              <a:buNone/>
-              <a:defRPr sz="1000" b="1"/>
+            <a:lvl9pPr marL="2816352" indent="0">
+              <a:buNone/>
+              <a:defRPr sz="1232" b="1"/>
             </a:lvl9pPr>
           </a:lstStyle>
           <a:p>
@@ -1544,8 +1544,8 @@
         </p:nvSpPr>
         <p:spPr>
           <a:xfrm>
-            <a:off x="2893219" y="3340100"/>
-            <a:ext cx="2429619" cy="4912784"/>
+            <a:off x="3564286" y="3406786"/>
+            <a:ext cx="2993156" cy="5010869"/>
           </a:xfrm>
         </p:spPr>
         <p:txBody>
@@ -1606,7 +1606,7 @@
           <a:p>
             <a:fld id="{EA69AB3C-1A45-4681-BC17-85E44D931731}" type="datetimeFigureOut">
               <a:rPr lang="en-US" smtClean="0"/>
-              <a:t>9/29/2021</a:t>
+              <a:t>10/13/2021</a:t>
             </a:fld>
             <a:endParaRPr lang="en-US"/>
           </a:p>
@@ -1657,7 +1657,7 @@
     </p:spTree>
     <p:extLst>
       <p:ext uri="{BB962C8B-B14F-4D97-AF65-F5344CB8AC3E}">
-        <p14:creationId xmlns:p14="http://schemas.microsoft.com/office/powerpoint/2010/main" val="298386879"/>
+        <p14:creationId xmlns:p14="http://schemas.microsoft.com/office/powerpoint/2010/main" val="3773015597"/>
       </p:ext>
     </p:extLst>
   </p:cSld>
@@ -1724,7 +1724,7 @@
           <a:p>
             <a:fld id="{EA69AB3C-1A45-4681-BC17-85E44D931731}" type="datetimeFigureOut">
               <a:rPr lang="en-US" smtClean="0"/>
-              <a:t>9/29/2021</a:t>
+              <a:t>10/13/2021</a:t>
             </a:fld>
             <a:endParaRPr lang="en-US"/>
           </a:p>
@@ -1775,7 +1775,7 @@
     </p:spTree>
     <p:extLst>
       <p:ext uri="{BB962C8B-B14F-4D97-AF65-F5344CB8AC3E}">
-        <p14:creationId xmlns:p14="http://schemas.microsoft.com/office/powerpoint/2010/main" val="3095875940"/>
+        <p14:creationId xmlns:p14="http://schemas.microsoft.com/office/powerpoint/2010/main" val="3103335854"/>
       </p:ext>
     </p:extLst>
   </p:cSld>
@@ -1819,7 +1819,7 @@
           <a:p>
             <a:fld id="{EA69AB3C-1A45-4681-BC17-85E44D931731}" type="datetimeFigureOut">
               <a:rPr lang="en-US" smtClean="0"/>
-              <a:t>9/29/2021</a:t>
+              <a:t>10/13/2021</a:t>
             </a:fld>
             <a:endParaRPr lang="en-US"/>
           </a:p>
@@ -1870,7 +1870,7 @@
     </p:spTree>
     <p:extLst>
       <p:ext uri="{BB962C8B-B14F-4D97-AF65-F5344CB8AC3E}">
-        <p14:creationId xmlns:p14="http://schemas.microsoft.com/office/powerpoint/2010/main" val="747345094"/>
+        <p14:creationId xmlns:p14="http://schemas.microsoft.com/office/powerpoint/2010/main" val="1953721087"/>
       </p:ext>
     </p:extLst>
   </p:cSld>
@@ -1909,15 +1909,15 @@
         </p:nvSpPr>
         <p:spPr>
           <a:xfrm>
-            <a:off x="393651" y="609600"/>
-            <a:ext cx="1843236" cy="2133600"/>
+            <a:off x="484956" y="621771"/>
+            <a:ext cx="2270765" cy="2176198"/>
           </a:xfrm>
         </p:spPr>
         <p:txBody>
           <a:bodyPr anchor="b"/>
           <a:lstStyle>
             <a:lvl1pPr>
-              <a:defRPr sz="2000"/>
+              <a:defRPr sz="2464"/>
             </a:lvl1pPr>
           </a:lstStyle>
           <a:p>
@@ -1941,39 +1941,39 @@
         </p:nvSpPr>
         <p:spPr>
           <a:xfrm>
-            <a:off x="2429619" y="1316569"/>
-            <a:ext cx="2893219" cy="6498167"/>
+            <a:off x="2993156" y="1342854"/>
+            <a:ext cx="3564285" cy="6627905"/>
           </a:xfrm>
         </p:spPr>
         <p:txBody>
           <a:bodyPr/>
           <a:lstStyle>
             <a:lvl1pPr>
-              <a:defRPr sz="2000"/>
+              <a:defRPr sz="2464"/>
             </a:lvl1pPr>
             <a:lvl2pPr>
-              <a:defRPr sz="1750"/>
+              <a:defRPr sz="2156"/>
             </a:lvl2pPr>
             <a:lvl3pPr>
-              <a:defRPr sz="1500"/>
+              <a:defRPr sz="1848"/>
             </a:lvl3pPr>
             <a:lvl4pPr>
-              <a:defRPr sz="1250"/>
+              <a:defRPr sz="1540"/>
             </a:lvl4pPr>
             <a:lvl5pPr>
-              <a:defRPr sz="1250"/>
+              <a:defRPr sz="1540"/>
             </a:lvl5pPr>
             <a:lvl6pPr>
-              <a:defRPr sz="1250"/>
+              <a:defRPr sz="1540"/>
             </a:lvl6pPr>
             <a:lvl7pPr>
-              <a:defRPr sz="1250"/>
+              <a:defRPr sz="1540"/>
             </a:lvl7pPr>
             <a:lvl8pPr>
-              <a:defRPr sz="1250"/>
+              <a:defRPr sz="1540"/>
             </a:lvl8pPr>
             <a:lvl9pPr>
-              <a:defRPr sz="1250"/>
+              <a:defRPr sz="1540"/>
             </a:lvl9pPr>
           </a:lstStyle>
           <a:p>
@@ -2026,8 +2026,8 @@
         </p:nvSpPr>
         <p:spPr>
           <a:xfrm>
-            <a:off x="393651" y="2743200"/>
-            <a:ext cx="1843236" cy="5082117"/>
+            <a:off x="484956" y="2797969"/>
+            <a:ext cx="2270765" cy="5183583"/>
           </a:xfrm>
         </p:spPr>
         <p:txBody>
@@ -2035,39 +2035,39 @@
           <a:lstStyle>
             <a:lvl1pPr marL="0" indent="0">
               <a:buNone/>
-              <a:defRPr sz="1000"/>
+              <a:defRPr sz="1232"/>
             </a:lvl1pPr>
-            <a:lvl2pPr marL="285750" indent="0">
-              <a:buNone/>
-              <a:defRPr sz="875"/>
+            <a:lvl2pPr marL="352044" indent="0">
+              <a:buNone/>
+              <a:defRPr sz="1078"/>
             </a:lvl2pPr>
-            <a:lvl3pPr marL="571500" indent="0">
-              <a:buNone/>
-              <a:defRPr sz="750"/>
+            <a:lvl3pPr marL="704088" indent="0">
+              <a:buNone/>
+              <a:defRPr sz="924"/>
             </a:lvl3pPr>
-            <a:lvl4pPr marL="857250" indent="0">
-              <a:buNone/>
-              <a:defRPr sz="625"/>
+            <a:lvl4pPr marL="1056132" indent="0">
+              <a:buNone/>
+              <a:defRPr sz="770"/>
             </a:lvl4pPr>
-            <a:lvl5pPr marL="1143000" indent="0">
-              <a:buNone/>
-              <a:defRPr sz="625"/>
+            <a:lvl5pPr marL="1408176" indent="0">
+              <a:buNone/>
+              <a:defRPr sz="770"/>
             </a:lvl5pPr>
-            <a:lvl6pPr marL="1428750" indent="0">
-              <a:buNone/>
-              <a:defRPr sz="625"/>
+            <a:lvl6pPr marL="1760220" indent="0">
+              <a:buNone/>
+              <a:defRPr sz="770"/>
             </a:lvl6pPr>
-            <a:lvl7pPr marL="1714500" indent="0">
-              <a:buNone/>
-              <a:defRPr sz="625"/>
+            <a:lvl7pPr marL="2112264" indent="0">
+              <a:buNone/>
+              <a:defRPr sz="770"/>
             </a:lvl7pPr>
-            <a:lvl8pPr marL="2000250" indent="0">
-              <a:buNone/>
-              <a:defRPr sz="625"/>
+            <a:lvl8pPr marL="2464308" indent="0">
+              <a:buNone/>
+              <a:defRPr sz="770"/>
             </a:lvl8pPr>
-            <a:lvl9pPr marL="2286000" indent="0">
-              <a:buNone/>
-              <a:defRPr sz="625"/>
+            <a:lvl9pPr marL="2816352" indent="0">
+              <a:buNone/>
+              <a:defRPr sz="770"/>
             </a:lvl9pPr>
           </a:lstStyle>
           <a:p>
@@ -2096,7 +2096,7 @@
           <a:p>
             <a:fld id="{EA69AB3C-1A45-4681-BC17-85E44D931731}" type="datetimeFigureOut">
               <a:rPr lang="en-US" smtClean="0"/>
-              <a:t>9/29/2021</a:t>
+              <a:t>10/13/2021</a:t>
             </a:fld>
             <a:endParaRPr lang="en-US"/>
           </a:p>
@@ -2147,7 +2147,7 @@
     </p:spTree>
     <p:extLst>
       <p:ext uri="{BB962C8B-B14F-4D97-AF65-F5344CB8AC3E}">
-        <p14:creationId xmlns:p14="http://schemas.microsoft.com/office/powerpoint/2010/main" val="530692086"/>
+        <p14:creationId xmlns:p14="http://schemas.microsoft.com/office/powerpoint/2010/main" val="2350245082"/>
       </p:ext>
     </p:extLst>
   </p:cSld>
@@ -2186,15 +2186,15 @@
         </p:nvSpPr>
         <p:spPr>
           <a:xfrm>
-            <a:off x="393651" y="609600"/>
-            <a:ext cx="1843236" cy="2133600"/>
+            <a:off x="484956" y="621771"/>
+            <a:ext cx="2270765" cy="2176198"/>
           </a:xfrm>
         </p:spPr>
         <p:txBody>
           <a:bodyPr anchor="b"/>
           <a:lstStyle>
             <a:lvl1pPr>
-              <a:defRPr sz="2000"/>
+              <a:defRPr sz="2464"/>
             </a:lvl1pPr>
           </a:lstStyle>
           <a:p>
@@ -2218,8 +2218,8 @@
         </p:nvSpPr>
         <p:spPr>
           <a:xfrm>
-            <a:off x="2429619" y="1316569"/>
-            <a:ext cx="2893219" cy="6498167"/>
+            <a:off x="2993156" y="1342854"/>
+            <a:ext cx="3564285" cy="6627905"/>
           </a:xfrm>
         </p:spPr>
         <p:txBody>
@@ -2227,39 +2227,39 @@
           <a:lstStyle>
             <a:lvl1pPr marL="0" indent="0">
               <a:buNone/>
-              <a:defRPr sz="2000"/>
+              <a:defRPr sz="2464"/>
             </a:lvl1pPr>
-            <a:lvl2pPr marL="285750" indent="0">
-              <a:buNone/>
-              <a:defRPr sz="1750"/>
+            <a:lvl2pPr marL="352044" indent="0">
+              <a:buNone/>
+              <a:defRPr sz="2156"/>
             </a:lvl2pPr>
-            <a:lvl3pPr marL="571500" indent="0">
-              <a:buNone/>
-              <a:defRPr sz="1500"/>
+            <a:lvl3pPr marL="704088" indent="0">
+              <a:buNone/>
+              <a:defRPr sz="1848"/>
             </a:lvl3pPr>
-            <a:lvl4pPr marL="857250" indent="0">
-              <a:buNone/>
-              <a:defRPr sz="1250"/>
+            <a:lvl4pPr marL="1056132" indent="0">
+              <a:buNone/>
+              <a:defRPr sz="1540"/>
             </a:lvl4pPr>
-            <a:lvl5pPr marL="1143000" indent="0">
-              <a:buNone/>
-              <a:defRPr sz="1250"/>
+            <a:lvl5pPr marL="1408176" indent="0">
+              <a:buNone/>
+              <a:defRPr sz="1540"/>
             </a:lvl5pPr>
-            <a:lvl6pPr marL="1428750" indent="0">
-              <a:buNone/>
-              <a:defRPr sz="1250"/>
+            <a:lvl6pPr marL="1760220" indent="0">
+              <a:buNone/>
+              <a:defRPr sz="1540"/>
             </a:lvl6pPr>
-            <a:lvl7pPr marL="1714500" indent="0">
-              <a:buNone/>
-              <a:defRPr sz="1250"/>
+            <a:lvl7pPr marL="2112264" indent="0">
+              <a:buNone/>
+              <a:defRPr sz="1540"/>
             </a:lvl7pPr>
-            <a:lvl8pPr marL="2000250" indent="0">
-              <a:buNone/>
-              <a:defRPr sz="1250"/>
+            <a:lvl8pPr marL="2464308" indent="0">
+              <a:buNone/>
+              <a:defRPr sz="1540"/>
             </a:lvl8pPr>
-            <a:lvl9pPr marL="2286000" indent="0">
-              <a:buNone/>
-              <a:defRPr sz="1250"/>
+            <a:lvl9pPr marL="2816352" indent="0">
+              <a:buNone/>
+              <a:defRPr sz="1540"/>
             </a:lvl9pPr>
           </a:lstStyle>
           <a:p>
@@ -2283,8 +2283,8 @@
         </p:nvSpPr>
         <p:spPr>
           <a:xfrm>
-            <a:off x="393651" y="2743200"/>
-            <a:ext cx="1843236" cy="5082117"/>
+            <a:off x="484956" y="2797969"/>
+            <a:ext cx="2270765" cy="5183583"/>
           </a:xfrm>
         </p:spPr>
         <p:txBody>
@@ -2292,39 +2292,39 @@
           <a:lstStyle>
             <a:lvl1pPr marL="0" indent="0">
               <a:buNone/>
-              <a:defRPr sz="1000"/>
+              <a:defRPr sz="1232"/>
             </a:lvl1pPr>
-            <a:lvl2pPr marL="285750" indent="0">
-              <a:buNone/>
-              <a:defRPr sz="875"/>
+            <a:lvl2pPr marL="352044" indent="0">
+              <a:buNone/>
+              <a:defRPr sz="1078"/>
             </a:lvl2pPr>
-            <a:lvl3pPr marL="571500" indent="0">
-              <a:buNone/>
-              <a:defRPr sz="750"/>
+            <a:lvl3pPr marL="704088" indent="0">
+              <a:buNone/>
+              <a:defRPr sz="924"/>
             </a:lvl3pPr>
-            <a:lvl4pPr marL="857250" indent="0">
-              <a:buNone/>
-              <a:defRPr sz="625"/>
+            <a:lvl4pPr marL="1056132" indent="0">
+              <a:buNone/>
+              <a:defRPr sz="770"/>
             </a:lvl4pPr>
-            <a:lvl5pPr marL="1143000" indent="0">
-              <a:buNone/>
-              <a:defRPr sz="625"/>
+            <a:lvl5pPr marL="1408176" indent="0">
+              <a:buNone/>
+              <a:defRPr sz="770"/>
             </a:lvl5pPr>
-            <a:lvl6pPr marL="1428750" indent="0">
-              <a:buNone/>
-              <a:defRPr sz="625"/>
+            <a:lvl6pPr marL="1760220" indent="0">
+              <a:buNone/>
+              <a:defRPr sz="770"/>
             </a:lvl6pPr>
-            <a:lvl7pPr marL="1714500" indent="0">
-              <a:buNone/>
-              <a:defRPr sz="625"/>
+            <a:lvl7pPr marL="2112264" indent="0">
+              <a:buNone/>
+              <a:defRPr sz="770"/>
             </a:lvl7pPr>
-            <a:lvl8pPr marL="2000250" indent="0">
-              <a:buNone/>
-              <a:defRPr sz="625"/>
+            <a:lvl8pPr marL="2464308" indent="0">
+              <a:buNone/>
+              <a:defRPr sz="770"/>
             </a:lvl8pPr>
-            <a:lvl9pPr marL="2286000" indent="0">
-              <a:buNone/>
-              <a:defRPr sz="625"/>
+            <a:lvl9pPr marL="2816352" indent="0">
+              <a:buNone/>
+              <a:defRPr sz="770"/>
             </a:lvl9pPr>
           </a:lstStyle>
           <a:p>
@@ -2353,7 +2353,7 @@
           <a:p>
             <a:fld id="{EA69AB3C-1A45-4681-BC17-85E44D931731}" type="datetimeFigureOut">
               <a:rPr lang="en-US" smtClean="0"/>
-              <a:t>9/29/2021</a:t>
+              <a:t>10/13/2021</a:t>
             </a:fld>
             <a:endParaRPr lang="en-US"/>
           </a:p>
@@ -2404,7 +2404,7 @@
     </p:spTree>
     <p:extLst>
       <p:ext uri="{BB962C8B-B14F-4D97-AF65-F5344CB8AC3E}">
-        <p14:creationId xmlns:p14="http://schemas.microsoft.com/office/powerpoint/2010/main" val="3440497826"/>
+        <p14:creationId xmlns:p14="http://schemas.microsoft.com/office/powerpoint/2010/main" val="1478778643"/>
       </p:ext>
     </p:extLst>
   </p:cSld>
@@ -2448,8 +2448,8 @@
         </p:nvSpPr>
         <p:spPr>
           <a:xfrm>
-            <a:off x="392906" y="486836"/>
-            <a:ext cx="4929188" cy="1767417"/>
+            <a:off x="484039" y="496555"/>
+            <a:ext cx="6072486" cy="1802704"/>
           </a:xfrm>
           <a:prstGeom prst="rect">
             <a:avLst/>
@@ -2481,8 +2481,8 @@
         </p:nvSpPr>
         <p:spPr>
           <a:xfrm>
-            <a:off x="392906" y="2434167"/>
-            <a:ext cx="4929188" cy="5801784"/>
+            <a:off x="484039" y="2482765"/>
+            <a:ext cx="6072486" cy="5917619"/>
           </a:xfrm>
           <a:prstGeom prst="rect">
             <a:avLst/>
@@ -2543,8 +2543,8 @@
         </p:nvSpPr>
         <p:spPr>
           <a:xfrm>
-            <a:off x="392906" y="8475136"/>
-            <a:ext cx="1285875" cy="486833"/>
+            <a:off x="484039" y="8644344"/>
+            <a:ext cx="1584127" cy="496553"/>
           </a:xfrm>
           <a:prstGeom prst="rect">
             <a:avLst/>
@@ -2554,7 +2554,7 @@
           <a:bodyPr vert="horz" lIns="91440" tIns="45720" rIns="91440" bIns="45720" rtlCol="0" anchor="ctr"/>
           <a:lstStyle>
             <a:lvl1pPr algn="l">
-              <a:defRPr sz="750">
+              <a:defRPr sz="924">
                 <a:solidFill>
                   <a:schemeClr val="tx1">
                     <a:tint val="75000"/>
@@ -2566,7 +2566,7 @@
           <a:p>
             <a:fld id="{EA69AB3C-1A45-4681-BC17-85E44D931731}" type="datetimeFigureOut">
               <a:rPr lang="en-US" smtClean="0"/>
-              <a:t>9/29/2021</a:t>
+              <a:t>10/13/2021</a:t>
             </a:fld>
             <a:endParaRPr lang="en-US"/>
           </a:p>
@@ -2584,8 +2584,8 @@
         </p:nvSpPr>
         <p:spPr>
           <a:xfrm>
-            <a:off x="1893094" y="8475136"/>
-            <a:ext cx="1928813" cy="486833"/>
+            <a:off x="2332187" y="8644344"/>
+            <a:ext cx="2376190" cy="496553"/>
           </a:xfrm>
           <a:prstGeom prst="rect">
             <a:avLst/>
@@ -2595,7 +2595,7 @@
           <a:bodyPr vert="horz" lIns="91440" tIns="45720" rIns="91440" bIns="45720" rtlCol="0" anchor="ctr"/>
           <a:lstStyle>
             <a:lvl1pPr algn="ctr">
-              <a:defRPr sz="750">
+              <a:defRPr sz="924">
                 <a:solidFill>
                   <a:schemeClr val="tx1">
                     <a:tint val="75000"/>
@@ -2621,8 +2621,8 @@
         </p:nvSpPr>
         <p:spPr>
           <a:xfrm>
-            <a:off x="4036219" y="8475136"/>
-            <a:ext cx="1285875" cy="486833"/>
+            <a:off x="4972397" y="8644344"/>
+            <a:ext cx="1584127" cy="496553"/>
           </a:xfrm>
           <a:prstGeom prst="rect">
             <a:avLst/>
@@ -2632,7 +2632,7 @@
           <a:bodyPr vert="horz" lIns="91440" tIns="45720" rIns="91440" bIns="45720" rtlCol="0" anchor="ctr"/>
           <a:lstStyle>
             <a:lvl1pPr algn="r">
-              <a:defRPr sz="750">
+              <a:defRPr sz="924">
                 <a:solidFill>
                   <a:schemeClr val="tx1">
                     <a:tint val="75000"/>
@@ -2653,27 +2653,27 @@
     </p:spTree>
     <p:extLst>
       <p:ext uri="{BB962C8B-B14F-4D97-AF65-F5344CB8AC3E}">
-        <p14:creationId xmlns:p14="http://schemas.microsoft.com/office/powerpoint/2010/main" val="3006713123"/>
+        <p14:creationId xmlns:p14="http://schemas.microsoft.com/office/powerpoint/2010/main" val="1808095464"/>
       </p:ext>
     </p:extLst>
   </p:cSld>
   <p:clrMap bg1="lt1" tx1="dk1" bg2="lt2" tx2="dk2" accent1="accent1" accent2="accent2" accent3="accent3" accent4="accent4" accent5="accent5" accent6="accent6" hlink="hlink" folHlink="folHlink"/>
   <p:sldLayoutIdLst>
-    <p:sldLayoutId id="2147483673" r:id="rId1"/>
-    <p:sldLayoutId id="2147483674" r:id="rId2"/>
-    <p:sldLayoutId id="2147483675" r:id="rId3"/>
-    <p:sldLayoutId id="2147483676" r:id="rId4"/>
-    <p:sldLayoutId id="2147483677" r:id="rId5"/>
-    <p:sldLayoutId id="2147483678" r:id="rId6"/>
-    <p:sldLayoutId id="2147483679" r:id="rId7"/>
-    <p:sldLayoutId id="2147483680" r:id="rId8"/>
-    <p:sldLayoutId id="2147483681" r:id="rId9"/>
-    <p:sldLayoutId id="2147483682" r:id="rId10"/>
-    <p:sldLayoutId id="2147483683" r:id="rId11"/>
+    <p:sldLayoutId id="2147483745" r:id="rId1"/>
+    <p:sldLayoutId id="2147483746" r:id="rId2"/>
+    <p:sldLayoutId id="2147483747" r:id="rId3"/>
+    <p:sldLayoutId id="2147483748" r:id="rId4"/>
+    <p:sldLayoutId id="2147483749" r:id="rId5"/>
+    <p:sldLayoutId id="2147483750" r:id="rId6"/>
+    <p:sldLayoutId id="2147483751" r:id="rId7"/>
+    <p:sldLayoutId id="2147483752" r:id="rId8"/>
+    <p:sldLayoutId id="2147483753" r:id="rId9"/>
+    <p:sldLayoutId id="2147483754" r:id="rId10"/>
+    <p:sldLayoutId id="2147483755" r:id="rId11"/>
   </p:sldLayoutIdLst>
   <p:txStyles>
     <p:titleStyle>
-      <a:lvl1pPr algn="l" defTabSz="571500" rtl="0" eaLnBrk="1" latinLnBrk="0" hangingPunct="1">
+      <a:lvl1pPr algn="l" defTabSz="704088" rtl="0" eaLnBrk="1" latinLnBrk="0" hangingPunct="1">
         <a:lnSpc>
           <a:spcPct val="90000"/>
         </a:lnSpc>
@@ -2681,7 +2681,7 @@
           <a:spcPct val="0"/>
         </a:spcBef>
         <a:buNone/>
-        <a:defRPr sz="2750" kern="1200">
+        <a:defRPr sz="3388" kern="1200">
           <a:solidFill>
             <a:schemeClr val="tx1"/>
           </a:solidFill>
@@ -2692,16 +2692,16 @@
       </a:lvl1pPr>
     </p:titleStyle>
     <p:bodyStyle>
-      <a:lvl1pPr marL="142875" indent="-142875" algn="l" defTabSz="571500" rtl="0" eaLnBrk="1" latinLnBrk="0" hangingPunct="1">
+      <a:lvl1pPr marL="176022" indent="-176022" algn="l" defTabSz="704088" rtl="0" eaLnBrk="1" latinLnBrk="0" hangingPunct="1">
         <a:lnSpc>
           <a:spcPct val="90000"/>
         </a:lnSpc>
         <a:spcBef>
-          <a:spcPts val="625"/>
+          <a:spcPts val="770"/>
         </a:spcBef>
         <a:buFont typeface="Arial" panose="020B0604020202020204" pitchFamily="34" charset="0"/>
         <a:buChar char="•"/>
-        <a:defRPr sz="1750" kern="1200">
+        <a:defRPr sz="2156" kern="1200">
           <a:solidFill>
             <a:schemeClr val="tx1"/>
           </a:solidFill>
@@ -2710,16 +2710,16 @@
           <a:cs typeface="+mn-cs"/>
         </a:defRPr>
       </a:lvl1pPr>
-      <a:lvl2pPr marL="428625" indent="-142875" algn="l" defTabSz="571500" rtl="0" eaLnBrk="1" latinLnBrk="0" hangingPunct="1">
+      <a:lvl2pPr marL="528066" indent="-176022" algn="l" defTabSz="704088" rtl="0" eaLnBrk="1" latinLnBrk="0" hangingPunct="1">
         <a:lnSpc>
           <a:spcPct val="90000"/>
         </a:lnSpc>
         <a:spcBef>
-          <a:spcPts val="313"/>
+          <a:spcPts val="385"/>
         </a:spcBef>
         <a:buFont typeface="Arial" panose="020B0604020202020204" pitchFamily="34" charset="0"/>
         <a:buChar char="•"/>
-        <a:defRPr sz="1500" kern="1200">
+        <a:defRPr sz="1848" kern="1200">
           <a:solidFill>
             <a:schemeClr val="tx1"/>
           </a:solidFill>
@@ -2728,16 +2728,16 @@
           <a:cs typeface="+mn-cs"/>
         </a:defRPr>
       </a:lvl2pPr>
-      <a:lvl3pPr marL="714375" indent="-142875" algn="l" defTabSz="571500" rtl="0" eaLnBrk="1" latinLnBrk="0" hangingPunct="1">
+      <a:lvl3pPr marL="880110" indent="-176022" algn="l" defTabSz="704088" rtl="0" eaLnBrk="1" latinLnBrk="0" hangingPunct="1">
         <a:lnSpc>
           <a:spcPct val="90000"/>
         </a:lnSpc>
         <a:spcBef>
-          <a:spcPts val="313"/>
+          <a:spcPts val="385"/>
         </a:spcBef>
         <a:buFont typeface="Arial" panose="020B0604020202020204" pitchFamily="34" charset="0"/>
         <a:buChar char="•"/>
-        <a:defRPr sz="1250" kern="1200">
+        <a:defRPr sz="1540" kern="1200">
           <a:solidFill>
             <a:schemeClr val="tx1"/>
           </a:solidFill>
@@ -2746,16 +2746,16 @@
           <a:cs typeface="+mn-cs"/>
         </a:defRPr>
       </a:lvl3pPr>
-      <a:lvl4pPr marL="1000125" indent="-142875" algn="l" defTabSz="571500" rtl="0" eaLnBrk="1" latinLnBrk="0" hangingPunct="1">
+      <a:lvl4pPr marL="1232154" indent="-176022" algn="l" defTabSz="704088" rtl="0" eaLnBrk="1" latinLnBrk="0" hangingPunct="1">
         <a:lnSpc>
           <a:spcPct val="90000"/>
         </a:lnSpc>
         <a:spcBef>
-          <a:spcPts val="313"/>
+          <a:spcPts val="385"/>
         </a:spcBef>
         <a:buFont typeface="Arial" panose="020B0604020202020204" pitchFamily="34" charset="0"/>
         <a:buChar char="•"/>
-        <a:defRPr sz="1125" kern="1200">
+        <a:defRPr sz="1386" kern="1200">
           <a:solidFill>
             <a:schemeClr val="tx1"/>
           </a:solidFill>
@@ -2764,16 +2764,16 @@
           <a:cs typeface="+mn-cs"/>
         </a:defRPr>
       </a:lvl4pPr>
-      <a:lvl5pPr marL="1285875" indent="-142875" algn="l" defTabSz="571500" rtl="0" eaLnBrk="1" latinLnBrk="0" hangingPunct="1">
+      <a:lvl5pPr marL="1584198" indent="-176022" algn="l" defTabSz="704088" rtl="0" eaLnBrk="1" latinLnBrk="0" hangingPunct="1">
         <a:lnSpc>
           <a:spcPct val="90000"/>
         </a:lnSpc>
         <a:spcBef>
-          <a:spcPts val="313"/>
+          <a:spcPts val="385"/>
         </a:spcBef>
         <a:buFont typeface="Arial" panose="020B0604020202020204" pitchFamily="34" charset="0"/>
         <a:buChar char="•"/>
-        <a:defRPr sz="1125" kern="1200">
+        <a:defRPr sz="1386" kern="1200">
           <a:solidFill>
             <a:schemeClr val="tx1"/>
           </a:solidFill>
@@ -2782,16 +2782,16 @@
           <a:cs typeface="+mn-cs"/>
         </a:defRPr>
       </a:lvl5pPr>
-      <a:lvl6pPr marL="1571625" indent="-142875" algn="l" defTabSz="571500" rtl="0" eaLnBrk="1" latinLnBrk="0" hangingPunct="1">
+      <a:lvl6pPr marL="1936242" indent="-176022" algn="l" defTabSz="704088" rtl="0" eaLnBrk="1" latinLnBrk="0" hangingPunct="1">
         <a:lnSpc>
           <a:spcPct val="90000"/>
         </a:lnSpc>
         <a:spcBef>
-          <a:spcPts val="313"/>
+          <a:spcPts val="385"/>
         </a:spcBef>
         <a:buFont typeface="Arial" panose="020B0604020202020204" pitchFamily="34" charset="0"/>
         <a:buChar char="•"/>
-        <a:defRPr sz="1125" kern="1200">
+        <a:defRPr sz="1386" kern="1200">
           <a:solidFill>
             <a:schemeClr val="tx1"/>
           </a:solidFill>
@@ -2800,16 +2800,16 @@
           <a:cs typeface="+mn-cs"/>
         </a:defRPr>
       </a:lvl6pPr>
-      <a:lvl7pPr marL="1857375" indent="-142875" algn="l" defTabSz="571500" rtl="0" eaLnBrk="1" latinLnBrk="0" hangingPunct="1">
+      <a:lvl7pPr marL="2288286" indent="-176022" algn="l" defTabSz="704088" rtl="0" eaLnBrk="1" latinLnBrk="0" hangingPunct="1">
         <a:lnSpc>
           <a:spcPct val="90000"/>
         </a:lnSpc>
         <a:spcBef>
-          <a:spcPts val="313"/>
+          <a:spcPts val="385"/>
         </a:spcBef>
         <a:buFont typeface="Arial" panose="020B0604020202020204" pitchFamily="34" charset="0"/>
         <a:buChar char="•"/>
-        <a:defRPr sz="1125" kern="1200">
+        <a:defRPr sz="1386" kern="1200">
           <a:solidFill>
             <a:schemeClr val="tx1"/>
           </a:solidFill>
@@ -2818,16 +2818,16 @@
           <a:cs typeface="+mn-cs"/>
         </a:defRPr>
       </a:lvl7pPr>
-      <a:lvl8pPr marL="2143125" indent="-142875" algn="l" defTabSz="571500" rtl="0" eaLnBrk="1" latinLnBrk="0" hangingPunct="1">
+      <a:lvl8pPr marL="2640330" indent="-176022" algn="l" defTabSz="704088" rtl="0" eaLnBrk="1" latinLnBrk="0" hangingPunct="1">
         <a:lnSpc>
           <a:spcPct val="90000"/>
         </a:lnSpc>
         <a:spcBef>
-          <a:spcPts val="313"/>
+          <a:spcPts val="385"/>
         </a:spcBef>
         <a:buFont typeface="Arial" panose="020B0604020202020204" pitchFamily="34" charset="0"/>
         <a:buChar char="•"/>
-        <a:defRPr sz="1125" kern="1200">
+        <a:defRPr sz="1386" kern="1200">
           <a:solidFill>
             <a:schemeClr val="tx1"/>
           </a:solidFill>
@@ -2836,16 +2836,16 @@
           <a:cs typeface="+mn-cs"/>
         </a:defRPr>
       </a:lvl8pPr>
-      <a:lvl9pPr marL="2428875" indent="-142875" algn="l" defTabSz="571500" rtl="0" eaLnBrk="1" latinLnBrk="0" hangingPunct="1">
+      <a:lvl9pPr marL="2992374" indent="-176022" algn="l" defTabSz="704088" rtl="0" eaLnBrk="1" latinLnBrk="0" hangingPunct="1">
         <a:lnSpc>
           <a:spcPct val="90000"/>
         </a:lnSpc>
         <a:spcBef>
-          <a:spcPts val="313"/>
+          <a:spcPts val="385"/>
         </a:spcBef>
         <a:buFont typeface="Arial" panose="020B0604020202020204" pitchFamily="34" charset="0"/>
         <a:buChar char="•"/>
-        <a:defRPr sz="1125" kern="1200">
+        <a:defRPr sz="1386" kern="1200">
           <a:solidFill>
             <a:schemeClr val="tx1"/>
           </a:solidFill>
@@ -2859,8 +2859,8 @@
       <a:defPPr>
         <a:defRPr lang="en-US"/>
       </a:defPPr>
-      <a:lvl1pPr marL="0" algn="l" defTabSz="571500" rtl="0" eaLnBrk="1" latinLnBrk="0" hangingPunct="1">
-        <a:defRPr sz="1125" kern="1200">
+      <a:lvl1pPr marL="0" algn="l" defTabSz="704088" rtl="0" eaLnBrk="1" latinLnBrk="0" hangingPunct="1">
+        <a:defRPr sz="1386" kern="1200">
           <a:solidFill>
             <a:schemeClr val="tx1"/>
           </a:solidFill>
@@ -2869,8 +2869,8 @@
           <a:cs typeface="+mn-cs"/>
         </a:defRPr>
       </a:lvl1pPr>
-      <a:lvl2pPr marL="285750" algn="l" defTabSz="571500" rtl="0" eaLnBrk="1" latinLnBrk="0" hangingPunct="1">
-        <a:defRPr sz="1125" kern="1200">
+      <a:lvl2pPr marL="352044" algn="l" defTabSz="704088" rtl="0" eaLnBrk="1" latinLnBrk="0" hangingPunct="1">
+        <a:defRPr sz="1386" kern="1200">
           <a:solidFill>
             <a:schemeClr val="tx1"/>
           </a:solidFill>
@@ -2879,8 +2879,8 @@
           <a:cs typeface="+mn-cs"/>
         </a:defRPr>
       </a:lvl2pPr>
-      <a:lvl3pPr marL="571500" algn="l" defTabSz="571500" rtl="0" eaLnBrk="1" latinLnBrk="0" hangingPunct="1">
-        <a:defRPr sz="1125" kern="1200">
+      <a:lvl3pPr marL="704088" algn="l" defTabSz="704088" rtl="0" eaLnBrk="1" latinLnBrk="0" hangingPunct="1">
+        <a:defRPr sz="1386" kern="1200">
           <a:solidFill>
             <a:schemeClr val="tx1"/>
           </a:solidFill>
@@ -2889,8 +2889,8 @@
           <a:cs typeface="+mn-cs"/>
         </a:defRPr>
       </a:lvl3pPr>
-      <a:lvl4pPr marL="857250" algn="l" defTabSz="571500" rtl="0" eaLnBrk="1" latinLnBrk="0" hangingPunct="1">
-        <a:defRPr sz="1125" kern="1200">
+      <a:lvl4pPr marL="1056132" algn="l" defTabSz="704088" rtl="0" eaLnBrk="1" latinLnBrk="0" hangingPunct="1">
+        <a:defRPr sz="1386" kern="1200">
           <a:solidFill>
             <a:schemeClr val="tx1"/>
           </a:solidFill>
@@ -2899,8 +2899,8 @@
           <a:cs typeface="+mn-cs"/>
         </a:defRPr>
       </a:lvl4pPr>
-      <a:lvl5pPr marL="1143000" algn="l" defTabSz="571500" rtl="0" eaLnBrk="1" latinLnBrk="0" hangingPunct="1">
-        <a:defRPr sz="1125" kern="1200">
+      <a:lvl5pPr marL="1408176" algn="l" defTabSz="704088" rtl="0" eaLnBrk="1" latinLnBrk="0" hangingPunct="1">
+        <a:defRPr sz="1386" kern="1200">
           <a:solidFill>
             <a:schemeClr val="tx1"/>
           </a:solidFill>
@@ -2909,8 +2909,8 @@
           <a:cs typeface="+mn-cs"/>
         </a:defRPr>
       </a:lvl5pPr>
-      <a:lvl6pPr marL="1428750" algn="l" defTabSz="571500" rtl="0" eaLnBrk="1" latinLnBrk="0" hangingPunct="1">
-        <a:defRPr sz="1125" kern="1200">
+      <a:lvl6pPr marL="1760220" algn="l" defTabSz="704088" rtl="0" eaLnBrk="1" latinLnBrk="0" hangingPunct="1">
+        <a:defRPr sz="1386" kern="1200">
           <a:solidFill>
             <a:schemeClr val="tx1"/>
           </a:solidFill>
@@ -2919,8 +2919,8 @@
           <a:cs typeface="+mn-cs"/>
         </a:defRPr>
       </a:lvl6pPr>
-      <a:lvl7pPr marL="1714500" algn="l" defTabSz="571500" rtl="0" eaLnBrk="1" latinLnBrk="0" hangingPunct="1">
-        <a:defRPr sz="1125" kern="1200">
+      <a:lvl7pPr marL="2112264" algn="l" defTabSz="704088" rtl="0" eaLnBrk="1" latinLnBrk="0" hangingPunct="1">
+        <a:defRPr sz="1386" kern="1200">
           <a:solidFill>
             <a:schemeClr val="tx1"/>
           </a:solidFill>
@@ -2929,8 +2929,8 @@
           <a:cs typeface="+mn-cs"/>
         </a:defRPr>
       </a:lvl7pPr>
-      <a:lvl8pPr marL="2000250" algn="l" defTabSz="571500" rtl="0" eaLnBrk="1" latinLnBrk="0" hangingPunct="1">
-        <a:defRPr sz="1125" kern="1200">
+      <a:lvl8pPr marL="2464308" algn="l" defTabSz="704088" rtl="0" eaLnBrk="1" latinLnBrk="0" hangingPunct="1">
+        <a:defRPr sz="1386" kern="1200">
           <a:solidFill>
             <a:schemeClr val="tx1"/>
           </a:solidFill>
@@ -2939,8 +2939,8 @@
           <a:cs typeface="+mn-cs"/>
         </a:defRPr>
       </a:lvl8pPr>
-      <a:lvl9pPr marL="2286000" algn="l" defTabSz="571500" rtl="0" eaLnBrk="1" latinLnBrk="0" hangingPunct="1">
-        <a:defRPr sz="1125" kern="1200">
+      <a:lvl9pPr marL="2816352" algn="l" defTabSz="704088" rtl="0" eaLnBrk="1" latinLnBrk="0" hangingPunct="1">
+        <a:defRPr sz="1386" kern="1200">
           <a:solidFill>
             <a:schemeClr val="tx1"/>
           </a:solidFill>
@@ -2985,7 +2985,7 @@
         </p:nvSpPr>
         <p:spPr>
           <a:xfrm>
-            <a:off x="1048404" y="914400"/>
+            <a:off x="737226" y="924045"/>
             <a:ext cx="3657600" cy="7315200"/>
           </a:xfrm>
           <a:prstGeom prst="rect">
@@ -3041,7 +3041,7 @@
         </p:nvSpPr>
         <p:spPr>
           <a:xfrm>
-            <a:off x="1962804" y="5484998"/>
+            <a:off x="1651626" y="5494643"/>
             <a:ext cx="1828800" cy="1828800"/>
           </a:xfrm>
           <a:prstGeom prst="ellipse">
@@ -3097,7 +3097,7 @@
         </p:nvCxnSpPr>
         <p:spPr>
           <a:xfrm>
-            <a:off x="2877204" y="6399398"/>
+            <a:off x="2566026" y="6409044"/>
             <a:ext cx="0" cy="1830202"/>
           </a:xfrm>
           <a:prstGeom prst="straightConnector1">
@@ -3137,7 +3137,7 @@
         </p:nvSpPr>
         <p:spPr>
           <a:xfrm>
-            <a:off x="2530884" y="7478036"/>
+            <a:off x="2219707" y="7487692"/>
             <a:ext cx="734496" cy="461665"/>
           </a:xfrm>
           <a:prstGeom prst="rect">
@@ -3181,7 +3181,7 @@
         </p:nvCxnSpPr>
         <p:spPr>
           <a:xfrm flipH="1">
-            <a:off x="1048404" y="6425674"/>
+            <a:off x="737236" y="6435319"/>
             <a:ext cx="1828801" cy="0"/>
           </a:xfrm>
           <a:prstGeom prst="straightConnector1">
@@ -3221,7 +3221,7 @@
         </p:nvSpPr>
         <p:spPr>
           <a:xfrm rot="16200000">
-            <a:off x="1254759" y="6198695"/>
+            <a:off x="943581" y="6208351"/>
             <a:ext cx="734496" cy="461665"/>
           </a:xfrm>
           <a:prstGeom prst="rect">
@@ -3272,7 +3272,7 @@
         </p:nvCxnSpPr>
         <p:spPr>
           <a:xfrm>
-            <a:off x="696307" y="914400"/>
+            <a:off x="385129" y="924045"/>
             <a:ext cx="0" cy="7341476"/>
           </a:xfrm>
           <a:prstGeom prst="straightConnector1">
@@ -3312,7 +3312,7 @@
         </p:nvCxnSpPr>
         <p:spPr>
           <a:xfrm flipH="1">
-            <a:off x="496612" y="914400"/>
+            <a:off x="185445" y="924045"/>
             <a:ext cx="370489" cy="0"/>
           </a:xfrm>
           <a:prstGeom prst="line">
@@ -3353,7 +3353,7 @@
         </p:nvCxnSpPr>
         <p:spPr>
           <a:xfrm flipH="1">
-            <a:off x="511062" y="8255876"/>
+            <a:off x="199895" y="8265521"/>
             <a:ext cx="370489" cy="0"/>
           </a:xfrm>
           <a:prstGeom prst="line">
@@ -3394,7 +3394,7 @@
         </p:nvSpPr>
         <p:spPr>
           <a:xfrm>
-            <a:off x="479717" y="4354306"/>
+            <a:off x="168539" y="4363961"/>
             <a:ext cx="404278" cy="461665"/>
           </a:xfrm>
           <a:prstGeom prst="rect">
@@ -3443,7 +3443,7 @@
         </p:nvCxnSpPr>
         <p:spPr>
           <a:xfrm flipH="1">
-            <a:off x="1048404" y="8341796"/>
+            <a:off x="737237" y="8351452"/>
             <a:ext cx="1" cy="412531"/>
           </a:xfrm>
           <a:prstGeom prst="line">
@@ -3486,7 +3486,7 @@
         </p:nvCxnSpPr>
         <p:spPr>
           <a:xfrm flipH="1">
-            <a:off x="4706003" y="8341796"/>
+            <a:off x="4394836" y="8351452"/>
             <a:ext cx="1" cy="412531"/>
           </a:xfrm>
           <a:prstGeom prst="line">
@@ -3529,7 +3529,7 @@
         </p:nvCxnSpPr>
         <p:spPr>
           <a:xfrm flipH="1">
-            <a:off x="1048405" y="8544030"/>
+            <a:off x="737227" y="8553675"/>
             <a:ext cx="3657598" cy="0"/>
           </a:xfrm>
           <a:prstGeom prst="straightConnector1">
@@ -3569,7 +3569,7 @@
         </p:nvSpPr>
         <p:spPr>
           <a:xfrm>
-            <a:off x="2675065" y="8346959"/>
+            <a:off x="2363887" y="8356615"/>
             <a:ext cx="404278" cy="461665"/>
           </a:xfrm>
           <a:prstGeom prst="rect">
@@ -3618,7 +3618,7 @@
         </p:nvCxnSpPr>
         <p:spPr>
           <a:xfrm flipH="1">
-            <a:off x="2867637" y="7313798"/>
+            <a:off x="2556470" y="7323443"/>
             <a:ext cx="2327099" cy="0"/>
           </a:xfrm>
           <a:prstGeom prst="line">
@@ -3661,7 +3661,7 @@
         </p:nvCxnSpPr>
         <p:spPr>
           <a:xfrm flipH="1">
-            <a:off x="2867638" y="5492881"/>
+            <a:off x="2556460" y="5502526"/>
             <a:ext cx="2327098" cy="0"/>
           </a:xfrm>
           <a:prstGeom prst="line">
@@ -3704,7 +3704,7 @@
         </p:nvCxnSpPr>
         <p:spPr>
           <a:xfrm>
-            <a:off x="5058101" y="5484998"/>
+            <a:off x="4746923" y="5494643"/>
             <a:ext cx="0" cy="1856478"/>
           </a:xfrm>
           <a:prstGeom prst="straightConnector1">
@@ -3744,7 +3744,7 @@
         </p:nvSpPr>
         <p:spPr>
           <a:xfrm>
-            <a:off x="4795955" y="6164101"/>
+            <a:off x="4484778" y="6173757"/>
             <a:ext cx="734496" cy="461665"/>
           </a:xfrm>
           <a:prstGeom prst="rect">
@@ -3786,7 +3786,7 @@
         </p:nvCxnSpPr>
         <p:spPr>
           <a:xfrm flipV="1">
-            <a:off x="1311162" y="7176298"/>
+            <a:off x="999984" y="7185954"/>
             <a:ext cx="0" cy="763403"/>
           </a:xfrm>
           <a:prstGeom prst="straightConnector1">
@@ -3828,7 +3828,7 @@
         </p:nvCxnSpPr>
         <p:spPr>
           <a:xfrm flipV="1">
-            <a:off x="1301780" y="7939701"/>
+            <a:off x="990603" y="7949357"/>
             <a:ext cx="722958" cy="1"/>
           </a:xfrm>
           <a:prstGeom prst="straightConnector1">
@@ -3868,7 +3868,7 @@
         </p:nvSpPr>
         <p:spPr>
           <a:xfrm>
-            <a:off x="1916252" y="7498572"/>
+            <a:off x="1605074" y="7508228"/>
             <a:ext cx="367408" cy="461665"/>
           </a:xfrm>
           <a:prstGeom prst="rect">
@@ -3906,7 +3906,7 @@
         </p:nvSpPr>
         <p:spPr>
           <a:xfrm>
-            <a:off x="1356710" y="6883665"/>
+            <a:off x="1045531" y="6893321"/>
             <a:ext cx="367408" cy="461665"/>
           </a:xfrm>
           <a:prstGeom prst="rect">
@@ -3944,7 +3944,7 @@
         </p:nvSpPr>
         <p:spPr>
           <a:xfrm>
-            <a:off x="2004785" y="3228263"/>
+            <a:off x="1693618" y="3237918"/>
             <a:ext cx="1744837" cy="646331"/>
           </a:xfrm>
           <a:prstGeom prst="rect">
@@ -3996,7 +3996,7 @@
         </p:nvSpPr>
         <p:spPr>
           <a:xfrm>
-            <a:off x="2078013" y="5627000"/>
+            <a:off x="1766837" y="5636653"/>
             <a:ext cx="1597360" cy="646331"/>
           </a:xfrm>
           <a:prstGeom prst="rect">
@@ -4030,44 +4030,6 @@
                 <a:ea typeface="Verdana" panose="020B0604030504040204" pitchFamily="34" charset="0"/>
               </a:rPr>
               <a:t>(1x density)</a:t>
-            </a:r>
-          </a:p>
-        </p:txBody>
-      </p:sp>
-      <p:sp>
-        <p:nvSpPr>
-          <p:cNvPr id="39" name="TextBox 38">
-            <a:extLst>
-              <a:ext uri="{FF2B5EF4-FFF2-40B4-BE49-F238E27FC236}">
-                <a16:creationId xmlns:a16="http://schemas.microsoft.com/office/drawing/2014/main" id="{D5E4E203-CAFA-4EA7-A9D3-AB17E6A048D6}"/>
-              </a:ext>
-            </a:extLst>
-          </p:cNvPr>
-          <p:cNvSpPr txBox="1"/>
-          <p:nvPr/>
-        </p:nvSpPr>
-        <p:spPr>
-          <a:xfrm>
-            <a:off x="3354750" y="7395423"/>
-            <a:ext cx="1261884" cy="461665"/>
-          </a:xfrm>
-          <a:prstGeom prst="rect">
-            <a:avLst/>
-          </a:prstGeom>
-          <a:noFill/>
-        </p:spPr>
-        <p:txBody>
-          <a:bodyPr wrap="none" rtlCol="0">
-            <a:spAutoFit/>
-          </a:bodyPr>
-          <a:lstStyle/>
-          <a:p>
-            <a:r>
-              <a:rPr lang="en-US" sz="2400" dirty="0">
-                <a:latin typeface="Verdana" panose="020B0604030504040204" pitchFamily="34" charset="0"/>
-                <a:ea typeface="Verdana" panose="020B0604030504040204" pitchFamily="34" charset="0"/>
-              </a:rPr>
-              <a:t>u=v=0</a:t>
             </a:r>
           </a:p>
         </p:txBody>
@@ -4087,9 +4049,9 @@
           <p:nvPr/>
         </p:nvCxnSpPr>
         <p:spPr>
-          <a:xfrm flipH="1">
-            <a:off x="3521563" y="7818583"/>
-            <a:ext cx="357529" cy="409615"/>
+          <a:xfrm flipH="1" flipV="1">
+            <a:off x="3210397" y="8237846"/>
+            <a:ext cx="612283" cy="689428"/>
           </a:xfrm>
           <a:prstGeom prst="line">
             <a:avLst/>
@@ -4129,8 +4091,8 @@
         </p:nvSpPr>
         <p:spPr>
           <a:xfrm>
-            <a:off x="3354750" y="66739"/>
-            <a:ext cx="1261884" cy="461665"/>
+            <a:off x="1651824" y="23842"/>
+            <a:ext cx="3803670" cy="471539"/>
           </a:xfrm>
           <a:prstGeom prst="rect">
             <a:avLst/>
@@ -4143,12 +4105,13 @@
           </a:bodyPr>
           <a:lstStyle/>
           <a:p>
+            <a:pPr algn="ctr"/>
             <a:r>
               <a:rPr lang="en-US" sz="2400" dirty="0">
                 <a:latin typeface="Verdana" panose="020B0604030504040204" pitchFamily="34" charset="0"/>
                 <a:ea typeface="Verdana" panose="020B0604030504040204" pitchFamily="34" charset="0"/>
               </a:rPr>
-              <a:t>u=v=0</a:t>
+              <a:t>No slip, no penetration</a:t>
             </a:r>
           </a:p>
         </p:txBody>
@@ -4169,7 +4132,7 @@
         </p:nvCxnSpPr>
         <p:spPr>
           <a:xfrm flipH="1">
-            <a:off x="3521563" y="489899"/>
+            <a:off x="3210396" y="499555"/>
             <a:ext cx="357529" cy="409615"/>
           </a:xfrm>
           <a:prstGeom prst="line">
@@ -4210,8 +4173,8 @@
         </p:nvSpPr>
         <p:spPr>
           <a:xfrm>
-            <a:off x="4795955" y="1802524"/>
-            <a:ext cx="827471" cy="461665"/>
+            <a:off x="4484777" y="1812180"/>
+            <a:ext cx="2487604" cy="461665"/>
           </a:xfrm>
           <a:prstGeom prst="rect">
             <a:avLst/>
@@ -4229,7 +4192,7 @@
                 <a:latin typeface="Verdana" panose="020B0604030504040204" pitchFamily="34" charset="0"/>
                 <a:ea typeface="Verdana" panose="020B0604030504040204" pitchFamily="34" charset="0"/>
               </a:rPr>
-              <a:t>u=0</a:t>
+              <a:t>No penetration</a:t>
             </a:r>
           </a:p>
         </p:txBody>
@@ -4250,7 +4213,7 @@
         </p:nvCxnSpPr>
         <p:spPr>
           <a:xfrm flipH="1">
-            <a:off x="4730607" y="2225684"/>
+            <a:off x="4419440" y="2235340"/>
             <a:ext cx="357529" cy="409615"/>
           </a:xfrm>
           <a:prstGeom prst="line">
@@ -4291,8 +4254,8 @@
         </p:nvSpPr>
         <p:spPr>
           <a:xfrm>
-            <a:off x="1117434" y="1798670"/>
-            <a:ext cx="827471" cy="461665"/>
+            <a:off x="806257" y="1808325"/>
+            <a:ext cx="2487604" cy="461665"/>
           </a:xfrm>
           <a:prstGeom prst="rect">
             <a:avLst/>
@@ -4310,7 +4273,7 @@
                 <a:latin typeface="Verdana" panose="020B0604030504040204" pitchFamily="34" charset="0"/>
                 <a:ea typeface="Verdana" panose="020B0604030504040204" pitchFamily="34" charset="0"/>
               </a:rPr>
-              <a:t>u=0</a:t>
+              <a:t>No penetration</a:t>
             </a:r>
           </a:p>
         </p:txBody>
@@ -4331,7 +4294,7 @@
         </p:nvCxnSpPr>
         <p:spPr>
           <a:xfrm flipH="1">
-            <a:off x="1052086" y="2221830"/>
+            <a:off x="740919" y="2231486"/>
             <a:ext cx="357529" cy="409615"/>
           </a:xfrm>
           <a:prstGeom prst="line">
@@ -4358,6 +4321,45 @@
           </a:fontRef>
         </p:style>
       </p:cxnSp>
+      <p:sp>
+        <p:nvSpPr>
+          <p:cNvPr id="36" name="TextBox 35">
+            <a:extLst>
+              <a:ext uri="{FF2B5EF4-FFF2-40B4-BE49-F238E27FC236}">
+                <a16:creationId xmlns:a16="http://schemas.microsoft.com/office/drawing/2014/main" id="{0A5C1970-FC8E-4B33-A787-64B27FD287E4}"/>
+              </a:ext>
+            </a:extLst>
+          </p:cNvPr>
+          <p:cNvSpPr txBox="1"/>
+          <p:nvPr/>
+        </p:nvSpPr>
+        <p:spPr>
+          <a:xfrm>
+            <a:off x="1947913" y="8860232"/>
+            <a:ext cx="3719031" cy="461665"/>
+          </a:xfrm>
+          <a:prstGeom prst="rect">
+            <a:avLst/>
+          </a:prstGeom>
+          <a:noFill/>
+        </p:spPr>
+        <p:txBody>
+          <a:bodyPr wrap="none" rtlCol="0">
+            <a:spAutoFit/>
+          </a:bodyPr>
+          <a:lstStyle/>
+          <a:p>
+            <a:pPr algn="ctr"/>
+            <a:r>
+              <a:rPr lang="en-US" sz="2400" dirty="0">
+                <a:latin typeface="Verdana" panose="020B0604030504040204" pitchFamily="34" charset="0"/>
+                <a:ea typeface="Verdana" panose="020B0604030504040204" pitchFamily="34" charset="0"/>
+              </a:rPr>
+              <a:t>No slip, no penetration</a:t>
+            </a:r>
+          </a:p>
+        </p:txBody>
+      </p:sp>
     </p:spTree>
     <p:extLst>
       <p:ext uri="{BB962C8B-B14F-4D97-AF65-F5344CB8AC3E}">

--- a/JCP/figs/domain_schematics/risingBubble.pptx
+++ b/JCP/figs/domain_schematics/risingBubble.pptx
@@ -2,12 +2,12 @@
 <file path=ppt/presentation.xml><?xml version="1.0" encoding="utf-8"?>
 <p:presentation xmlns:a="http://schemas.openxmlformats.org/drawingml/2006/main" xmlns:r="http://schemas.openxmlformats.org/officeDocument/2006/relationships" xmlns:p="http://schemas.openxmlformats.org/presentationml/2006/main" saveSubsetFonts="1">
   <p:sldMasterIdLst>
-    <p:sldMasterId id="2147483744" r:id="rId1"/>
+    <p:sldMasterId id="2147483756" r:id="rId1"/>
   </p:sldMasterIdLst>
   <p:sldIdLst>
     <p:sldId id="256" r:id="rId2"/>
   </p:sldIdLst>
-  <p:sldSz cx="7040563" cy="9326563"/>
+  <p:sldSz cx="7772400" cy="9326563"/>
   <p:notesSz cx="6858000" cy="9144000"/>
   <p:defaultTextStyle>
     <a:defPPr>
@@ -141,15 +141,15 @@
         </p:nvSpPr>
         <p:spPr>
           <a:xfrm>
-            <a:off x="528042" y="1526362"/>
-            <a:ext cx="5984479" cy="3247026"/>
+            <a:off x="582930" y="1526362"/>
+            <a:ext cx="6606540" cy="3247026"/>
           </a:xfrm>
         </p:spPr>
         <p:txBody>
           <a:bodyPr anchor="b"/>
           <a:lstStyle>
             <a:lvl1pPr algn="ctr">
-              <a:defRPr sz="4620"/>
+              <a:defRPr sz="5100"/>
             </a:lvl1pPr>
           </a:lstStyle>
           <a:p>
@@ -173,8 +173,8 @@
         </p:nvSpPr>
         <p:spPr>
           <a:xfrm>
-            <a:off x="880071" y="4898605"/>
-            <a:ext cx="5280422" cy="2251760"/>
+            <a:off x="971550" y="4898605"/>
+            <a:ext cx="5829300" cy="2251760"/>
           </a:xfrm>
         </p:spPr>
         <p:txBody>
@@ -182,39 +182,39 @@
           <a:lstStyle>
             <a:lvl1pPr marL="0" indent="0" algn="ctr">
               <a:buNone/>
-              <a:defRPr sz="1848"/>
+              <a:defRPr sz="2040"/>
             </a:lvl1pPr>
-            <a:lvl2pPr marL="352044" indent="0" algn="ctr">
-              <a:buNone/>
-              <a:defRPr sz="1540"/>
+            <a:lvl2pPr marL="388620" indent="0" algn="ctr">
+              <a:buNone/>
+              <a:defRPr sz="1700"/>
             </a:lvl2pPr>
-            <a:lvl3pPr marL="704088" indent="0" algn="ctr">
-              <a:buNone/>
-              <a:defRPr sz="1386"/>
+            <a:lvl3pPr marL="777240" indent="0" algn="ctr">
+              <a:buNone/>
+              <a:defRPr sz="1530"/>
             </a:lvl3pPr>
-            <a:lvl4pPr marL="1056132" indent="0" algn="ctr">
-              <a:buNone/>
-              <a:defRPr sz="1232"/>
+            <a:lvl4pPr marL="1165860" indent="0" algn="ctr">
+              <a:buNone/>
+              <a:defRPr sz="1360"/>
             </a:lvl4pPr>
-            <a:lvl5pPr marL="1408176" indent="0" algn="ctr">
-              <a:buNone/>
-              <a:defRPr sz="1232"/>
+            <a:lvl5pPr marL="1554480" indent="0" algn="ctr">
+              <a:buNone/>
+              <a:defRPr sz="1360"/>
             </a:lvl5pPr>
-            <a:lvl6pPr marL="1760220" indent="0" algn="ctr">
-              <a:buNone/>
-              <a:defRPr sz="1232"/>
+            <a:lvl6pPr marL="1943100" indent="0" algn="ctr">
+              <a:buNone/>
+              <a:defRPr sz="1360"/>
             </a:lvl6pPr>
-            <a:lvl7pPr marL="2112264" indent="0" algn="ctr">
-              <a:buNone/>
-              <a:defRPr sz="1232"/>
+            <a:lvl7pPr marL="2331720" indent="0" algn="ctr">
+              <a:buNone/>
+              <a:defRPr sz="1360"/>
             </a:lvl7pPr>
-            <a:lvl8pPr marL="2464308" indent="0" algn="ctr">
-              <a:buNone/>
-              <a:defRPr sz="1232"/>
+            <a:lvl8pPr marL="2720340" indent="0" algn="ctr">
+              <a:buNone/>
+              <a:defRPr sz="1360"/>
             </a:lvl8pPr>
-            <a:lvl9pPr marL="2816352" indent="0" algn="ctr">
-              <a:buNone/>
-              <a:defRPr sz="1232"/>
+            <a:lvl9pPr marL="3108960" indent="0" algn="ctr">
+              <a:buNone/>
+              <a:defRPr sz="1360"/>
             </a:lvl9pPr>
           </a:lstStyle>
           <a:p>
@@ -243,7 +243,7 @@
           <a:p>
             <a:fld id="{EA69AB3C-1A45-4681-BC17-85E44D931731}" type="datetimeFigureOut">
               <a:rPr lang="en-US" smtClean="0"/>
-              <a:t>10/13/2021</a:t>
+              <a:t>10/20/2021</a:t>
             </a:fld>
             <a:endParaRPr lang="en-US"/>
           </a:p>
@@ -294,7 +294,7 @@
     </p:spTree>
     <p:extLst>
       <p:ext uri="{BB962C8B-B14F-4D97-AF65-F5344CB8AC3E}">
-        <p14:creationId xmlns:p14="http://schemas.microsoft.com/office/powerpoint/2010/main" val="3271702070"/>
+        <p14:creationId xmlns:p14="http://schemas.microsoft.com/office/powerpoint/2010/main" val="1779776279"/>
       </p:ext>
     </p:extLst>
   </p:cSld>
@@ -413,7 +413,7 @@
           <a:p>
             <a:fld id="{EA69AB3C-1A45-4681-BC17-85E44D931731}" type="datetimeFigureOut">
               <a:rPr lang="en-US" smtClean="0"/>
-              <a:t>10/13/2021</a:t>
+              <a:t>10/20/2021</a:t>
             </a:fld>
             <a:endParaRPr lang="en-US"/>
           </a:p>
@@ -464,7 +464,7 @@
     </p:spTree>
     <p:extLst>
       <p:ext uri="{BB962C8B-B14F-4D97-AF65-F5344CB8AC3E}">
-        <p14:creationId xmlns:p14="http://schemas.microsoft.com/office/powerpoint/2010/main" val="589097257"/>
+        <p14:creationId xmlns:p14="http://schemas.microsoft.com/office/powerpoint/2010/main" val="3675067552"/>
       </p:ext>
     </p:extLst>
   </p:cSld>
@@ -503,8 +503,8 @@
         </p:nvSpPr>
         <p:spPr>
           <a:xfrm>
-            <a:off x="5038403" y="496553"/>
-            <a:ext cx="1518121" cy="7903831"/>
+            <a:off x="5562124" y="496553"/>
+            <a:ext cx="1675924" cy="7903831"/>
           </a:xfrm>
         </p:spPr>
         <p:txBody>
@@ -531,8 +531,8 @@
         </p:nvSpPr>
         <p:spPr>
           <a:xfrm>
-            <a:off x="484039" y="496553"/>
-            <a:ext cx="4466357" cy="7903831"/>
+            <a:off x="534353" y="496553"/>
+            <a:ext cx="4930616" cy="7903831"/>
           </a:xfrm>
         </p:spPr>
         <p:txBody>
@@ -593,7 +593,7 @@
           <a:p>
             <a:fld id="{EA69AB3C-1A45-4681-BC17-85E44D931731}" type="datetimeFigureOut">
               <a:rPr lang="en-US" smtClean="0"/>
-              <a:t>10/13/2021</a:t>
+              <a:t>10/20/2021</a:t>
             </a:fld>
             <a:endParaRPr lang="en-US"/>
           </a:p>
@@ -644,7 +644,7 @@
     </p:spTree>
     <p:extLst>
       <p:ext uri="{BB962C8B-B14F-4D97-AF65-F5344CB8AC3E}">
-        <p14:creationId xmlns:p14="http://schemas.microsoft.com/office/powerpoint/2010/main" val="654792468"/>
+        <p14:creationId xmlns:p14="http://schemas.microsoft.com/office/powerpoint/2010/main" val="3713784909"/>
       </p:ext>
     </p:extLst>
   </p:cSld>
@@ -763,7 +763,7 @@
           <a:p>
             <a:fld id="{EA69AB3C-1A45-4681-BC17-85E44D931731}" type="datetimeFigureOut">
               <a:rPr lang="en-US" smtClean="0"/>
-              <a:t>10/13/2021</a:t>
+              <a:t>10/20/2021</a:t>
             </a:fld>
             <a:endParaRPr lang="en-US"/>
           </a:p>
@@ -814,7 +814,7 @@
     </p:spTree>
     <p:extLst>
       <p:ext uri="{BB962C8B-B14F-4D97-AF65-F5344CB8AC3E}">
-        <p14:creationId xmlns:p14="http://schemas.microsoft.com/office/powerpoint/2010/main" val="588631399"/>
+        <p14:creationId xmlns:p14="http://schemas.microsoft.com/office/powerpoint/2010/main" val="2189161189"/>
       </p:ext>
     </p:extLst>
   </p:cSld>
@@ -853,15 +853,15 @@
         </p:nvSpPr>
         <p:spPr>
           <a:xfrm>
-            <a:off x="480372" y="2325167"/>
-            <a:ext cx="6072486" cy="3879590"/>
+            <a:off x="530305" y="2325167"/>
+            <a:ext cx="6703695" cy="3879590"/>
           </a:xfrm>
         </p:spPr>
         <p:txBody>
           <a:bodyPr anchor="b"/>
           <a:lstStyle>
             <a:lvl1pPr>
-              <a:defRPr sz="4620"/>
+              <a:defRPr sz="5100"/>
             </a:lvl1pPr>
           </a:lstStyle>
           <a:p>
@@ -885,8 +885,8 @@
         </p:nvSpPr>
         <p:spPr>
           <a:xfrm>
-            <a:off x="480372" y="6241460"/>
-            <a:ext cx="6072486" cy="2040185"/>
+            <a:off x="530305" y="6241460"/>
+            <a:ext cx="6703695" cy="2040185"/>
           </a:xfrm>
         </p:spPr>
         <p:txBody>
@@ -894,15 +894,15 @@
           <a:lstStyle>
             <a:lvl1pPr marL="0" indent="0">
               <a:buNone/>
-              <a:defRPr sz="1848">
+              <a:defRPr sz="2040">
                 <a:solidFill>
                   <a:schemeClr val="tx1"/>
                 </a:solidFill>
               </a:defRPr>
             </a:lvl1pPr>
-            <a:lvl2pPr marL="352044" indent="0">
-              <a:buNone/>
-              <a:defRPr sz="1540">
+            <a:lvl2pPr marL="388620" indent="0">
+              <a:buNone/>
+              <a:defRPr sz="1700">
                 <a:solidFill>
                   <a:schemeClr val="tx1">
                     <a:tint val="75000"/>
@@ -910,9 +910,9 @@
                 </a:solidFill>
               </a:defRPr>
             </a:lvl2pPr>
-            <a:lvl3pPr marL="704088" indent="0">
-              <a:buNone/>
-              <a:defRPr sz="1386">
+            <a:lvl3pPr marL="777240" indent="0">
+              <a:buNone/>
+              <a:defRPr sz="1530">
                 <a:solidFill>
                   <a:schemeClr val="tx1">
                     <a:tint val="75000"/>
@@ -920,9 +920,9 @@
                 </a:solidFill>
               </a:defRPr>
             </a:lvl3pPr>
-            <a:lvl4pPr marL="1056132" indent="0">
-              <a:buNone/>
-              <a:defRPr sz="1232">
+            <a:lvl4pPr marL="1165860" indent="0">
+              <a:buNone/>
+              <a:defRPr sz="1360">
                 <a:solidFill>
                   <a:schemeClr val="tx1">
                     <a:tint val="75000"/>
@@ -930,9 +930,9 @@
                 </a:solidFill>
               </a:defRPr>
             </a:lvl4pPr>
-            <a:lvl5pPr marL="1408176" indent="0">
-              <a:buNone/>
-              <a:defRPr sz="1232">
+            <a:lvl5pPr marL="1554480" indent="0">
+              <a:buNone/>
+              <a:defRPr sz="1360">
                 <a:solidFill>
                   <a:schemeClr val="tx1">
                     <a:tint val="75000"/>
@@ -940,9 +940,9 @@
                 </a:solidFill>
               </a:defRPr>
             </a:lvl5pPr>
-            <a:lvl6pPr marL="1760220" indent="0">
-              <a:buNone/>
-              <a:defRPr sz="1232">
+            <a:lvl6pPr marL="1943100" indent="0">
+              <a:buNone/>
+              <a:defRPr sz="1360">
                 <a:solidFill>
                   <a:schemeClr val="tx1">
                     <a:tint val="75000"/>
@@ -950,9 +950,9 @@
                 </a:solidFill>
               </a:defRPr>
             </a:lvl6pPr>
-            <a:lvl7pPr marL="2112264" indent="0">
-              <a:buNone/>
-              <a:defRPr sz="1232">
+            <a:lvl7pPr marL="2331720" indent="0">
+              <a:buNone/>
+              <a:defRPr sz="1360">
                 <a:solidFill>
                   <a:schemeClr val="tx1">
                     <a:tint val="75000"/>
@@ -960,9 +960,9 @@
                 </a:solidFill>
               </a:defRPr>
             </a:lvl7pPr>
-            <a:lvl8pPr marL="2464308" indent="0">
-              <a:buNone/>
-              <a:defRPr sz="1232">
+            <a:lvl8pPr marL="2720340" indent="0">
+              <a:buNone/>
+              <a:defRPr sz="1360">
                 <a:solidFill>
                   <a:schemeClr val="tx1">
                     <a:tint val="75000"/>
@@ -970,9 +970,9 @@
                 </a:solidFill>
               </a:defRPr>
             </a:lvl8pPr>
-            <a:lvl9pPr marL="2816352" indent="0">
-              <a:buNone/>
-              <a:defRPr sz="1232">
+            <a:lvl9pPr marL="3108960" indent="0">
+              <a:buNone/>
+              <a:defRPr sz="1360">
                 <a:solidFill>
                   <a:schemeClr val="tx1">
                     <a:tint val="75000"/>
@@ -1007,7 +1007,7 @@
           <a:p>
             <a:fld id="{EA69AB3C-1A45-4681-BC17-85E44D931731}" type="datetimeFigureOut">
               <a:rPr lang="en-US" smtClean="0"/>
-              <a:t>10/13/2021</a:t>
+              <a:t>10/20/2021</a:t>
             </a:fld>
             <a:endParaRPr lang="en-US"/>
           </a:p>
@@ -1058,7 +1058,7 @@
     </p:spTree>
     <p:extLst>
       <p:ext uri="{BB962C8B-B14F-4D97-AF65-F5344CB8AC3E}">
-        <p14:creationId xmlns:p14="http://schemas.microsoft.com/office/powerpoint/2010/main" val="215729593"/>
+        <p14:creationId xmlns:p14="http://schemas.microsoft.com/office/powerpoint/2010/main" val="3757887001"/>
       </p:ext>
     </p:extLst>
   </p:cSld>
@@ -1120,8 +1120,8 @@
         </p:nvSpPr>
         <p:spPr>
           <a:xfrm>
-            <a:off x="484039" y="2482765"/>
-            <a:ext cx="2992239" cy="5917619"/>
+            <a:off x="534353" y="2482765"/>
+            <a:ext cx="3303270" cy="5917619"/>
           </a:xfrm>
         </p:spPr>
         <p:txBody>
@@ -1177,8 +1177,8 @@
         </p:nvSpPr>
         <p:spPr>
           <a:xfrm>
-            <a:off x="3564285" y="2482765"/>
-            <a:ext cx="2992239" cy="5917619"/>
+            <a:off x="3934778" y="2482765"/>
+            <a:ext cx="3303270" cy="5917619"/>
           </a:xfrm>
         </p:spPr>
         <p:txBody>
@@ -1239,7 +1239,7 @@
           <a:p>
             <a:fld id="{EA69AB3C-1A45-4681-BC17-85E44D931731}" type="datetimeFigureOut">
               <a:rPr lang="en-US" smtClean="0"/>
-              <a:t>10/13/2021</a:t>
+              <a:t>10/20/2021</a:t>
             </a:fld>
             <a:endParaRPr lang="en-US"/>
           </a:p>
@@ -1290,7 +1290,7 @@
     </p:spTree>
     <p:extLst>
       <p:ext uri="{BB962C8B-B14F-4D97-AF65-F5344CB8AC3E}">
-        <p14:creationId xmlns:p14="http://schemas.microsoft.com/office/powerpoint/2010/main" val="1022590741"/>
+        <p14:creationId xmlns:p14="http://schemas.microsoft.com/office/powerpoint/2010/main" val="2774307922"/>
       </p:ext>
     </p:extLst>
   </p:cSld>
@@ -1329,8 +1329,8 @@
         </p:nvSpPr>
         <p:spPr>
           <a:xfrm>
-            <a:off x="484956" y="496555"/>
-            <a:ext cx="6072486" cy="1802704"/>
+            <a:off x="535365" y="496555"/>
+            <a:ext cx="6703695" cy="1802704"/>
           </a:xfrm>
         </p:spPr>
         <p:txBody>
@@ -1357,8 +1357,8 @@
         </p:nvSpPr>
         <p:spPr>
           <a:xfrm>
-            <a:off x="484956" y="2286304"/>
-            <a:ext cx="2978488" cy="1120482"/>
+            <a:off x="535366" y="2286304"/>
+            <a:ext cx="3288089" cy="1120482"/>
           </a:xfrm>
         </p:spPr>
         <p:txBody>
@@ -1366,39 +1366,39 @@
           <a:lstStyle>
             <a:lvl1pPr marL="0" indent="0">
               <a:buNone/>
-              <a:defRPr sz="1848" b="1"/>
+              <a:defRPr sz="2040" b="1"/>
             </a:lvl1pPr>
-            <a:lvl2pPr marL="352044" indent="0">
-              <a:buNone/>
-              <a:defRPr sz="1540" b="1"/>
+            <a:lvl2pPr marL="388620" indent="0">
+              <a:buNone/>
+              <a:defRPr sz="1700" b="1"/>
             </a:lvl2pPr>
-            <a:lvl3pPr marL="704088" indent="0">
-              <a:buNone/>
-              <a:defRPr sz="1386" b="1"/>
+            <a:lvl3pPr marL="777240" indent="0">
+              <a:buNone/>
+              <a:defRPr sz="1530" b="1"/>
             </a:lvl3pPr>
-            <a:lvl4pPr marL="1056132" indent="0">
-              <a:buNone/>
-              <a:defRPr sz="1232" b="1"/>
+            <a:lvl4pPr marL="1165860" indent="0">
+              <a:buNone/>
+              <a:defRPr sz="1360" b="1"/>
             </a:lvl4pPr>
-            <a:lvl5pPr marL="1408176" indent="0">
-              <a:buNone/>
-              <a:defRPr sz="1232" b="1"/>
+            <a:lvl5pPr marL="1554480" indent="0">
+              <a:buNone/>
+              <a:defRPr sz="1360" b="1"/>
             </a:lvl5pPr>
-            <a:lvl6pPr marL="1760220" indent="0">
-              <a:buNone/>
-              <a:defRPr sz="1232" b="1"/>
+            <a:lvl6pPr marL="1943100" indent="0">
+              <a:buNone/>
+              <a:defRPr sz="1360" b="1"/>
             </a:lvl6pPr>
-            <a:lvl7pPr marL="2112264" indent="0">
-              <a:buNone/>
-              <a:defRPr sz="1232" b="1"/>
+            <a:lvl7pPr marL="2331720" indent="0">
+              <a:buNone/>
+              <a:defRPr sz="1360" b="1"/>
             </a:lvl7pPr>
-            <a:lvl8pPr marL="2464308" indent="0">
-              <a:buNone/>
-              <a:defRPr sz="1232" b="1"/>
+            <a:lvl8pPr marL="2720340" indent="0">
+              <a:buNone/>
+              <a:defRPr sz="1360" b="1"/>
             </a:lvl8pPr>
-            <a:lvl9pPr marL="2816352" indent="0">
-              <a:buNone/>
-              <a:defRPr sz="1232" b="1"/>
+            <a:lvl9pPr marL="3108960" indent="0">
+              <a:buNone/>
+              <a:defRPr sz="1360" b="1"/>
             </a:lvl9pPr>
           </a:lstStyle>
           <a:p>
@@ -1422,8 +1422,8 @@
         </p:nvSpPr>
         <p:spPr>
           <a:xfrm>
-            <a:off x="484956" y="3406786"/>
-            <a:ext cx="2978488" cy="5010869"/>
+            <a:off x="535366" y="3406786"/>
+            <a:ext cx="3288089" cy="5010869"/>
           </a:xfrm>
         </p:spPr>
         <p:txBody>
@@ -1479,8 +1479,8 @@
         </p:nvSpPr>
         <p:spPr>
           <a:xfrm>
-            <a:off x="3564286" y="2286304"/>
-            <a:ext cx="2993156" cy="1120482"/>
+            <a:off x="3934778" y="2286304"/>
+            <a:ext cx="3304282" cy="1120482"/>
           </a:xfrm>
         </p:spPr>
         <p:txBody>
@@ -1488,39 +1488,39 @@
           <a:lstStyle>
             <a:lvl1pPr marL="0" indent="0">
               <a:buNone/>
-              <a:defRPr sz="1848" b="1"/>
+              <a:defRPr sz="2040" b="1"/>
             </a:lvl1pPr>
-            <a:lvl2pPr marL="352044" indent="0">
-              <a:buNone/>
-              <a:defRPr sz="1540" b="1"/>
+            <a:lvl2pPr marL="388620" indent="0">
+              <a:buNone/>
+              <a:defRPr sz="1700" b="1"/>
             </a:lvl2pPr>
-            <a:lvl3pPr marL="704088" indent="0">
-              <a:buNone/>
-              <a:defRPr sz="1386" b="1"/>
+            <a:lvl3pPr marL="777240" indent="0">
+              <a:buNone/>
+              <a:defRPr sz="1530" b="1"/>
             </a:lvl3pPr>
-            <a:lvl4pPr marL="1056132" indent="0">
-              <a:buNone/>
-              <a:defRPr sz="1232" b="1"/>
+            <a:lvl4pPr marL="1165860" indent="0">
+              <a:buNone/>
+              <a:defRPr sz="1360" b="1"/>
             </a:lvl4pPr>
-            <a:lvl5pPr marL="1408176" indent="0">
-              <a:buNone/>
-              <a:defRPr sz="1232" b="1"/>
+            <a:lvl5pPr marL="1554480" indent="0">
+              <a:buNone/>
+              <a:defRPr sz="1360" b="1"/>
             </a:lvl5pPr>
-            <a:lvl6pPr marL="1760220" indent="0">
-              <a:buNone/>
-              <a:defRPr sz="1232" b="1"/>
+            <a:lvl6pPr marL="1943100" indent="0">
+              <a:buNone/>
+              <a:defRPr sz="1360" b="1"/>
             </a:lvl6pPr>
-            <a:lvl7pPr marL="2112264" indent="0">
-              <a:buNone/>
-              <a:defRPr sz="1232" b="1"/>
+            <a:lvl7pPr marL="2331720" indent="0">
+              <a:buNone/>
+              <a:defRPr sz="1360" b="1"/>
             </a:lvl7pPr>
-            <a:lvl8pPr marL="2464308" indent="0">
-              <a:buNone/>
-              <a:defRPr sz="1232" b="1"/>
+            <a:lvl8pPr marL="2720340" indent="0">
+              <a:buNone/>
+              <a:defRPr sz="1360" b="1"/>
             </a:lvl8pPr>
-            <a:lvl9pPr marL="2816352" indent="0">
-              <a:buNone/>
-              <a:defRPr sz="1232" b="1"/>
+            <a:lvl9pPr marL="3108960" indent="0">
+              <a:buNone/>
+              <a:defRPr sz="1360" b="1"/>
             </a:lvl9pPr>
           </a:lstStyle>
           <a:p>
@@ -1544,8 +1544,8 @@
         </p:nvSpPr>
         <p:spPr>
           <a:xfrm>
-            <a:off x="3564286" y="3406786"/>
-            <a:ext cx="2993156" cy="5010869"/>
+            <a:off x="3934778" y="3406786"/>
+            <a:ext cx="3304282" cy="5010869"/>
           </a:xfrm>
         </p:spPr>
         <p:txBody>
@@ -1606,7 +1606,7 @@
           <a:p>
             <a:fld id="{EA69AB3C-1A45-4681-BC17-85E44D931731}" type="datetimeFigureOut">
               <a:rPr lang="en-US" smtClean="0"/>
-              <a:t>10/13/2021</a:t>
+              <a:t>10/20/2021</a:t>
             </a:fld>
             <a:endParaRPr lang="en-US"/>
           </a:p>
@@ -1657,7 +1657,7 @@
     </p:spTree>
     <p:extLst>
       <p:ext uri="{BB962C8B-B14F-4D97-AF65-F5344CB8AC3E}">
-        <p14:creationId xmlns:p14="http://schemas.microsoft.com/office/powerpoint/2010/main" val="3773015597"/>
+        <p14:creationId xmlns:p14="http://schemas.microsoft.com/office/powerpoint/2010/main" val="546028713"/>
       </p:ext>
     </p:extLst>
   </p:cSld>
@@ -1724,7 +1724,7 @@
           <a:p>
             <a:fld id="{EA69AB3C-1A45-4681-BC17-85E44D931731}" type="datetimeFigureOut">
               <a:rPr lang="en-US" smtClean="0"/>
-              <a:t>10/13/2021</a:t>
+              <a:t>10/20/2021</a:t>
             </a:fld>
             <a:endParaRPr lang="en-US"/>
           </a:p>
@@ -1775,7 +1775,7 @@
     </p:spTree>
     <p:extLst>
       <p:ext uri="{BB962C8B-B14F-4D97-AF65-F5344CB8AC3E}">
-        <p14:creationId xmlns:p14="http://schemas.microsoft.com/office/powerpoint/2010/main" val="3103335854"/>
+        <p14:creationId xmlns:p14="http://schemas.microsoft.com/office/powerpoint/2010/main" val="3266842519"/>
       </p:ext>
     </p:extLst>
   </p:cSld>
@@ -1819,7 +1819,7 @@
           <a:p>
             <a:fld id="{EA69AB3C-1A45-4681-BC17-85E44D931731}" type="datetimeFigureOut">
               <a:rPr lang="en-US" smtClean="0"/>
-              <a:t>10/13/2021</a:t>
+              <a:t>10/20/2021</a:t>
             </a:fld>
             <a:endParaRPr lang="en-US"/>
           </a:p>
@@ -1870,7 +1870,7 @@
     </p:spTree>
     <p:extLst>
       <p:ext uri="{BB962C8B-B14F-4D97-AF65-F5344CB8AC3E}">
-        <p14:creationId xmlns:p14="http://schemas.microsoft.com/office/powerpoint/2010/main" val="1953721087"/>
+        <p14:creationId xmlns:p14="http://schemas.microsoft.com/office/powerpoint/2010/main" val="771023313"/>
       </p:ext>
     </p:extLst>
   </p:cSld>
@@ -1909,15 +1909,15 @@
         </p:nvSpPr>
         <p:spPr>
           <a:xfrm>
-            <a:off x="484956" y="621771"/>
-            <a:ext cx="2270765" cy="2176198"/>
+            <a:off x="535365" y="621771"/>
+            <a:ext cx="2506801" cy="2176198"/>
           </a:xfrm>
         </p:spPr>
         <p:txBody>
           <a:bodyPr anchor="b"/>
           <a:lstStyle>
             <a:lvl1pPr>
-              <a:defRPr sz="2464"/>
+              <a:defRPr sz="2720"/>
             </a:lvl1pPr>
           </a:lstStyle>
           <a:p>
@@ -1941,39 +1941,39 @@
         </p:nvSpPr>
         <p:spPr>
           <a:xfrm>
-            <a:off x="2993156" y="1342854"/>
-            <a:ext cx="3564285" cy="6627905"/>
+            <a:off x="3304282" y="1342854"/>
+            <a:ext cx="3934778" cy="6627905"/>
           </a:xfrm>
         </p:spPr>
         <p:txBody>
           <a:bodyPr/>
           <a:lstStyle>
             <a:lvl1pPr>
-              <a:defRPr sz="2464"/>
+              <a:defRPr sz="2720"/>
             </a:lvl1pPr>
             <a:lvl2pPr>
-              <a:defRPr sz="2156"/>
+              <a:defRPr sz="2380"/>
             </a:lvl2pPr>
             <a:lvl3pPr>
-              <a:defRPr sz="1848"/>
+              <a:defRPr sz="2040"/>
             </a:lvl3pPr>
             <a:lvl4pPr>
-              <a:defRPr sz="1540"/>
+              <a:defRPr sz="1700"/>
             </a:lvl4pPr>
             <a:lvl5pPr>
-              <a:defRPr sz="1540"/>
+              <a:defRPr sz="1700"/>
             </a:lvl5pPr>
             <a:lvl6pPr>
-              <a:defRPr sz="1540"/>
+              <a:defRPr sz="1700"/>
             </a:lvl6pPr>
             <a:lvl7pPr>
-              <a:defRPr sz="1540"/>
+              <a:defRPr sz="1700"/>
             </a:lvl7pPr>
             <a:lvl8pPr>
-              <a:defRPr sz="1540"/>
+              <a:defRPr sz="1700"/>
             </a:lvl8pPr>
             <a:lvl9pPr>
-              <a:defRPr sz="1540"/>
+              <a:defRPr sz="1700"/>
             </a:lvl9pPr>
           </a:lstStyle>
           <a:p>
@@ -2026,8 +2026,8 @@
         </p:nvSpPr>
         <p:spPr>
           <a:xfrm>
-            <a:off x="484956" y="2797969"/>
-            <a:ext cx="2270765" cy="5183583"/>
+            <a:off x="535365" y="2797969"/>
+            <a:ext cx="2506801" cy="5183583"/>
           </a:xfrm>
         </p:spPr>
         <p:txBody>
@@ -2035,39 +2035,39 @@
           <a:lstStyle>
             <a:lvl1pPr marL="0" indent="0">
               <a:buNone/>
-              <a:defRPr sz="1232"/>
+              <a:defRPr sz="1360"/>
             </a:lvl1pPr>
-            <a:lvl2pPr marL="352044" indent="0">
-              <a:buNone/>
-              <a:defRPr sz="1078"/>
+            <a:lvl2pPr marL="388620" indent="0">
+              <a:buNone/>
+              <a:defRPr sz="1190"/>
             </a:lvl2pPr>
-            <a:lvl3pPr marL="704088" indent="0">
-              <a:buNone/>
-              <a:defRPr sz="924"/>
+            <a:lvl3pPr marL="777240" indent="0">
+              <a:buNone/>
+              <a:defRPr sz="1020"/>
             </a:lvl3pPr>
-            <a:lvl4pPr marL="1056132" indent="0">
-              <a:buNone/>
-              <a:defRPr sz="770"/>
+            <a:lvl4pPr marL="1165860" indent="0">
+              <a:buNone/>
+              <a:defRPr sz="850"/>
             </a:lvl4pPr>
-            <a:lvl5pPr marL="1408176" indent="0">
-              <a:buNone/>
-              <a:defRPr sz="770"/>
+            <a:lvl5pPr marL="1554480" indent="0">
+              <a:buNone/>
+              <a:defRPr sz="850"/>
             </a:lvl5pPr>
-            <a:lvl6pPr marL="1760220" indent="0">
-              <a:buNone/>
-              <a:defRPr sz="770"/>
+            <a:lvl6pPr marL="1943100" indent="0">
+              <a:buNone/>
+              <a:defRPr sz="850"/>
             </a:lvl6pPr>
-            <a:lvl7pPr marL="2112264" indent="0">
-              <a:buNone/>
-              <a:defRPr sz="770"/>
+            <a:lvl7pPr marL="2331720" indent="0">
+              <a:buNone/>
+              <a:defRPr sz="850"/>
             </a:lvl7pPr>
-            <a:lvl8pPr marL="2464308" indent="0">
-              <a:buNone/>
-              <a:defRPr sz="770"/>
+            <a:lvl8pPr marL="2720340" indent="0">
+              <a:buNone/>
+              <a:defRPr sz="850"/>
             </a:lvl8pPr>
-            <a:lvl9pPr marL="2816352" indent="0">
-              <a:buNone/>
-              <a:defRPr sz="770"/>
+            <a:lvl9pPr marL="3108960" indent="0">
+              <a:buNone/>
+              <a:defRPr sz="850"/>
             </a:lvl9pPr>
           </a:lstStyle>
           <a:p>
@@ -2096,7 +2096,7 @@
           <a:p>
             <a:fld id="{EA69AB3C-1A45-4681-BC17-85E44D931731}" type="datetimeFigureOut">
               <a:rPr lang="en-US" smtClean="0"/>
-              <a:t>10/13/2021</a:t>
+              <a:t>10/20/2021</a:t>
             </a:fld>
             <a:endParaRPr lang="en-US"/>
           </a:p>
@@ -2147,7 +2147,7 @@
     </p:spTree>
     <p:extLst>
       <p:ext uri="{BB962C8B-B14F-4D97-AF65-F5344CB8AC3E}">
-        <p14:creationId xmlns:p14="http://schemas.microsoft.com/office/powerpoint/2010/main" val="2350245082"/>
+        <p14:creationId xmlns:p14="http://schemas.microsoft.com/office/powerpoint/2010/main" val="703799465"/>
       </p:ext>
     </p:extLst>
   </p:cSld>
@@ -2186,15 +2186,15 @@
         </p:nvSpPr>
         <p:spPr>
           <a:xfrm>
-            <a:off x="484956" y="621771"/>
-            <a:ext cx="2270765" cy="2176198"/>
+            <a:off x="535365" y="621771"/>
+            <a:ext cx="2506801" cy="2176198"/>
           </a:xfrm>
         </p:spPr>
         <p:txBody>
           <a:bodyPr anchor="b"/>
           <a:lstStyle>
             <a:lvl1pPr>
-              <a:defRPr sz="2464"/>
+              <a:defRPr sz="2720"/>
             </a:lvl1pPr>
           </a:lstStyle>
           <a:p>
@@ -2218,8 +2218,8 @@
         </p:nvSpPr>
         <p:spPr>
           <a:xfrm>
-            <a:off x="2993156" y="1342854"/>
-            <a:ext cx="3564285" cy="6627905"/>
+            <a:off x="3304282" y="1342854"/>
+            <a:ext cx="3934778" cy="6627905"/>
           </a:xfrm>
         </p:spPr>
         <p:txBody>
@@ -2227,39 +2227,39 @@
           <a:lstStyle>
             <a:lvl1pPr marL="0" indent="0">
               <a:buNone/>
-              <a:defRPr sz="2464"/>
+              <a:defRPr sz="2720"/>
             </a:lvl1pPr>
-            <a:lvl2pPr marL="352044" indent="0">
-              <a:buNone/>
-              <a:defRPr sz="2156"/>
+            <a:lvl2pPr marL="388620" indent="0">
+              <a:buNone/>
+              <a:defRPr sz="2380"/>
             </a:lvl2pPr>
-            <a:lvl3pPr marL="704088" indent="0">
-              <a:buNone/>
-              <a:defRPr sz="1848"/>
+            <a:lvl3pPr marL="777240" indent="0">
+              <a:buNone/>
+              <a:defRPr sz="2040"/>
             </a:lvl3pPr>
-            <a:lvl4pPr marL="1056132" indent="0">
-              <a:buNone/>
-              <a:defRPr sz="1540"/>
+            <a:lvl4pPr marL="1165860" indent="0">
+              <a:buNone/>
+              <a:defRPr sz="1700"/>
             </a:lvl4pPr>
-            <a:lvl5pPr marL="1408176" indent="0">
-              <a:buNone/>
-              <a:defRPr sz="1540"/>
+            <a:lvl5pPr marL="1554480" indent="0">
+              <a:buNone/>
+              <a:defRPr sz="1700"/>
             </a:lvl5pPr>
-            <a:lvl6pPr marL="1760220" indent="0">
-              <a:buNone/>
-              <a:defRPr sz="1540"/>
+            <a:lvl6pPr marL="1943100" indent="0">
+              <a:buNone/>
+              <a:defRPr sz="1700"/>
             </a:lvl6pPr>
-            <a:lvl7pPr marL="2112264" indent="0">
-              <a:buNone/>
-              <a:defRPr sz="1540"/>
+            <a:lvl7pPr marL="2331720" indent="0">
+              <a:buNone/>
+              <a:defRPr sz="1700"/>
             </a:lvl7pPr>
-            <a:lvl8pPr marL="2464308" indent="0">
-              <a:buNone/>
-              <a:defRPr sz="1540"/>
+            <a:lvl8pPr marL="2720340" indent="0">
+              <a:buNone/>
+              <a:defRPr sz="1700"/>
             </a:lvl8pPr>
-            <a:lvl9pPr marL="2816352" indent="0">
-              <a:buNone/>
-              <a:defRPr sz="1540"/>
+            <a:lvl9pPr marL="3108960" indent="0">
+              <a:buNone/>
+              <a:defRPr sz="1700"/>
             </a:lvl9pPr>
           </a:lstStyle>
           <a:p>
@@ -2283,8 +2283,8 @@
         </p:nvSpPr>
         <p:spPr>
           <a:xfrm>
-            <a:off x="484956" y="2797969"/>
-            <a:ext cx="2270765" cy="5183583"/>
+            <a:off x="535365" y="2797969"/>
+            <a:ext cx="2506801" cy="5183583"/>
           </a:xfrm>
         </p:spPr>
         <p:txBody>
@@ -2292,39 +2292,39 @@
           <a:lstStyle>
             <a:lvl1pPr marL="0" indent="0">
               <a:buNone/>
-              <a:defRPr sz="1232"/>
+              <a:defRPr sz="1360"/>
             </a:lvl1pPr>
-            <a:lvl2pPr marL="352044" indent="0">
-              <a:buNone/>
-              <a:defRPr sz="1078"/>
+            <a:lvl2pPr marL="388620" indent="0">
+              <a:buNone/>
+              <a:defRPr sz="1190"/>
             </a:lvl2pPr>
-            <a:lvl3pPr marL="704088" indent="0">
-              <a:buNone/>
-              <a:defRPr sz="924"/>
+            <a:lvl3pPr marL="777240" indent="0">
+              <a:buNone/>
+              <a:defRPr sz="1020"/>
             </a:lvl3pPr>
-            <a:lvl4pPr marL="1056132" indent="0">
-              <a:buNone/>
-              <a:defRPr sz="770"/>
+            <a:lvl4pPr marL="1165860" indent="0">
+              <a:buNone/>
+              <a:defRPr sz="850"/>
             </a:lvl4pPr>
-            <a:lvl5pPr marL="1408176" indent="0">
-              <a:buNone/>
-              <a:defRPr sz="770"/>
+            <a:lvl5pPr marL="1554480" indent="0">
+              <a:buNone/>
+              <a:defRPr sz="850"/>
             </a:lvl5pPr>
-            <a:lvl6pPr marL="1760220" indent="0">
-              <a:buNone/>
-              <a:defRPr sz="770"/>
+            <a:lvl6pPr marL="1943100" indent="0">
+              <a:buNone/>
+              <a:defRPr sz="850"/>
             </a:lvl6pPr>
-            <a:lvl7pPr marL="2112264" indent="0">
-              <a:buNone/>
-              <a:defRPr sz="770"/>
+            <a:lvl7pPr marL="2331720" indent="0">
+              <a:buNone/>
+              <a:defRPr sz="850"/>
             </a:lvl7pPr>
-            <a:lvl8pPr marL="2464308" indent="0">
-              <a:buNone/>
-              <a:defRPr sz="770"/>
+            <a:lvl8pPr marL="2720340" indent="0">
+              <a:buNone/>
+              <a:defRPr sz="850"/>
             </a:lvl8pPr>
-            <a:lvl9pPr marL="2816352" indent="0">
-              <a:buNone/>
-              <a:defRPr sz="770"/>
+            <a:lvl9pPr marL="3108960" indent="0">
+              <a:buNone/>
+              <a:defRPr sz="850"/>
             </a:lvl9pPr>
           </a:lstStyle>
           <a:p>
@@ -2353,7 +2353,7 @@
           <a:p>
             <a:fld id="{EA69AB3C-1A45-4681-BC17-85E44D931731}" type="datetimeFigureOut">
               <a:rPr lang="en-US" smtClean="0"/>
-              <a:t>10/13/2021</a:t>
+              <a:t>10/20/2021</a:t>
             </a:fld>
             <a:endParaRPr lang="en-US"/>
           </a:p>
@@ -2404,7 +2404,7 @@
     </p:spTree>
     <p:extLst>
       <p:ext uri="{BB962C8B-B14F-4D97-AF65-F5344CB8AC3E}">
-        <p14:creationId xmlns:p14="http://schemas.microsoft.com/office/powerpoint/2010/main" val="1478778643"/>
+        <p14:creationId xmlns:p14="http://schemas.microsoft.com/office/powerpoint/2010/main" val="2079949846"/>
       </p:ext>
     </p:extLst>
   </p:cSld>
@@ -2448,8 +2448,8 @@
         </p:nvSpPr>
         <p:spPr>
           <a:xfrm>
-            <a:off x="484039" y="496555"/>
-            <a:ext cx="6072486" cy="1802704"/>
+            <a:off x="534353" y="496555"/>
+            <a:ext cx="6703695" cy="1802704"/>
           </a:xfrm>
           <a:prstGeom prst="rect">
             <a:avLst/>
@@ -2481,8 +2481,8 @@
         </p:nvSpPr>
         <p:spPr>
           <a:xfrm>
-            <a:off x="484039" y="2482765"/>
-            <a:ext cx="6072486" cy="5917619"/>
+            <a:off x="534353" y="2482765"/>
+            <a:ext cx="6703695" cy="5917619"/>
           </a:xfrm>
           <a:prstGeom prst="rect">
             <a:avLst/>
@@ -2543,8 +2543,8 @@
         </p:nvSpPr>
         <p:spPr>
           <a:xfrm>
-            <a:off x="484039" y="8644344"/>
-            <a:ext cx="1584127" cy="496553"/>
+            <a:off x="534353" y="8644344"/>
+            <a:ext cx="1748790" cy="496553"/>
           </a:xfrm>
           <a:prstGeom prst="rect">
             <a:avLst/>
@@ -2554,7 +2554,7 @@
           <a:bodyPr vert="horz" lIns="91440" tIns="45720" rIns="91440" bIns="45720" rtlCol="0" anchor="ctr"/>
           <a:lstStyle>
             <a:lvl1pPr algn="l">
-              <a:defRPr sz="924">
+              <a:defRPr sz="1020">
                 <a:solidFill>
                   <a:schemeClr val="tx1">
                     <a:tint val="75000"/>
@@ -2566,7 +2566,7 @@
           <a:p>
             <a:fld id="{EA69AB3C-1A45-4681-BC17-85E44D931731}" type="datetimeFigureOut">
               <a:rPr lang="en-US" smtClean="0"/>
-              <a:t>10/13/2021</a:t>
+              <a:t>10/20/2021</a:t>
             </a:fld>
             <a:endParaRPr lang="en-US"/>
           </a:p>
@@ -2584,8 +2584,8 @@
         </p:nvSpPr>
         <p:spPr>
           <a:xfrm>
-            <a:off x="2332187" y="8644344"/>
-            <a:ext cx="2376190" cy="496553"/>
+            <a:off x="2574608" y="8644344"/>
+            <a:ext cx="2623185" cy="496553"/>
           </a:xfrm>
           <a:prstGeom prst="rect">
             <a:avLst/>
@@ -2595,7 +2595,7 @@
           <a:bodyPr vert="horz" lIns="91440" tIns="45720" rIns="91440" bIns="45720" rtlCol="0" anchor="ctr"/>
           <a:lstStyle>
             <a:lvl1pPr algn="ctr">
-              <a:defRPr sz="924">
+              <a:defRPr sz="1020">
                 <a:solidFill>
                   <a:schemeClr val="tx1">
                     <a:tint val="75000"/>
@@ -2621,8 +2621,8 @@
         </p:nvSpPr>
         <p:spPr>
           <a:xfrm>
-            <a:off x="4972397" y="8644344"/>
-            <a:ext cx="1584127" cy="496553"/>
+            <a:off x="5489258" y="8644344"/>
+            <a:ext cx="1748790" cy="496553"/>
           </a:xfrm>
           <a:prstGeom prst="rect">
             <a:avLst/>
@@ -2632,7 +2632,7 @@
           <a:bodyPr vert="horz" lIns="91440" tIns="45720" rIns="91440" bIns="45720" rtlCol="0" anchor="ctr"/>
           <a:lstStyle>
             <a:lvl1pPr algn="r">
-              <a:defRPr sz="924">
+              <a:defRPr sz="1020">
                 <a:solidFill>
                   <a:schemeClr val="tx1">
                     <a:tint val="75000"/>
@@ -2653,27 +2653,27 @@
     </p:spTree>
     <p:extLst>
       <p:ext uri="{BB962C8B-B14F-4D97-AF65-F5344CB8AC3E}">
-        <p14:creationId xmlns:p14="http://schemas.microsoft.com/office/powerpoint/2010/main" val="1808095464"/>
+        <p14:creationId xmlns:p14="http://schemas.microsoft.com/office/powerpoint/2010/main" val="1073712331"/>
       </p:ext>
     </p:extLst>
   </p:cSld>
   <p:clrMap bg1="lt1" tx1="dk1" bg2="lt2" tx2="dk2" accent1="accent1" accent2="accent2" accent3="accent3" accent4="accent4" accent5="accent5" accent6="accent6" hlink="hlink" folHlink="folHlink"/>
   <p:sldLayoutIdLst>
-    <p:sldLayoutId id="2147483745" r:id="rId1"/>
-    <p:sldLayoutId id="2147483746" r:id="rId2"/>
-    <p:sldLayoutId id="2147483747" r:id="rId3"/>
-    <p:sldLayoutId id="2147483748" r:id="rId4"/>
-    <p:sldLayoutId id="2147483749" r:id="rId5"/>
-    <p:sldLayoutId id="2147483750" r:id="rId6"/>
-    <p:sldLayoutId id="2147483751" r:id="rId7"/>
-    <p:sldLayoutId id="2147483752" r:id="rId8"/>
-    <p:sldLayoutId id="2147483753" r:id="rId9"/>
-    <p:sldLayoutId id="2147483754" r:id="rId10"/>
-    <p:sldLayoutId id="2147483755" r:id="rId11"/>
+    <p:sldLayoutId id="2147483757" r:id="rId1"/>
+    <p:sldLayoutId id="2147483758" r:id="rId2"/>
+    <p:sldLayoutId id="2147483759" r:id="rId3"/>
+    <p:sldLayoutId id="2147483760" r:id="rId4"/>
+    <p:sldLayoutId id="2147483761" r:id="rId5"/>
+    <p:sldLayoutId id="2147483762" r:id="rId6"/>
+    <p:sldLayoutId id="2147483763" r:id="rId7"/>
+    <p:sldLayoutId id="2147483764" r:id="rId8"/>
+    <p:sldLayoutId id="2147483765" r:id="rId9"/>
+    <p:sldLayoutId id="2147483766" r:id="rId10"/>
+    <p:sldLayoutId id="2147483767" r:id="rId11"/>
   </p:sldLayoutIdLst>
   <p:txStyles>
     <p:titleStyle>
-      <a:lvl1pPr algn="l" defTabSz="704088" rtl="0" eaLnBrk="1" latinLnBrk="0" hangingPunct="1">
+      <a:lvl1pPr algn="l" defTabSz="777240" rtl="0" eaLnBrk="1" latinLnBrk="0" hangingPunct="1">
         <a:lnSpc>
           <a:spcPct val="90000"/>
         </a:lnSpc>
@@ -2681,7 +2681,7 @@
           <a:spcPct val="0"/>
         </a:spcBef>
         <a:buNone/>
-        <a:defRPr sz="3388" kern="1200">
+        <a:defRPr sz="3740" kern="1200">
           <a:solidFill>
             <a:schemeClr val="tx1"/>
           </a:solidFill>
@@ -2692,16 +2692,16 @@
       </a:lvl1pPr>
     </p:titleStyle>
     <p:bodyStyle>
-      <a:lvl1pPr marL="176022" indent="-176022" algn="l" defTabSz="704088" rtl="0" eaLnBrk="1" latinLnBrk="0" hangingPunct="1">
+      <a:lvl1pPr marL="194310" indent="-194310" algn="l" defTabSz="777240" rtl="0" eaLnBrk="1" latinLnBrk="0" hangingPunct="1">
         <a:lnSpc>
           <a:spcPct val="90000"/>
         </a:lnSpc>
         <a:spcBef>
-          <a:spcPts val="770"/>
+          <a:spcPts val="850"/>
         </a:spcBef>
         <a:buFont typeface="Arial" panose="020B0604020202020204" pitchFamily="34" charset="0"/>
         <a:buChar char="•"/>
-        <a:defRPr sz="2156" kern="1200">
+        <a:defRPr sz="2380" kern="1200">
           <a:solidFill>
             <a:schemeClr val="tx1"/>
           </a:solidFill>
@@ -2710,16 +2710,16 @@
           <a:cs typeface="+mn-cs"/>
         </a:defRPr>
       </a:lvl1pPr>
-      <a:lvl2pPr marL="528066" indent="-176022" algn="l" defTabSz="704088" rtl="0" eaLnBrk="1" latinLnBrk="0" hangingPunct="1">
+      <a:lvl2pPr marL="582930" indent="-194310" algn="l" defTabSz="777240" rtl="0" eaLnBrk="1" latinLnBrk="0" hangingPunct="1">
         <a:lnSpc>
           <a:spcPct val="90000"/>
         </a:lnSpc>
         <a:spcBef>
-          <a:spcPts val="385"/>
+          <a:spcPts val="425"/>
         </a:spcBef>
         <a:buFont typeface="Arial" panose="020B0604020202020204" pitchFamily="34" charset="0"/>
         <a:buChar char="•"/>
-        <a:defRPr sz="1848" kern="1200">
+        <a:defRPr sz="2040" kern="1200">
           <a:solidFill>
             <a:schemeClr val="tx1"/>
           </a:solidFill>
@@ -2728,16 +2728,16 @@
           <a:cs typeface="+mn-cs"/>
         </a:defRPr>
       </a:lvl2pPr>
-      <a:lvl3pPr marL="880110" indent="-176022" algn="l" defTabSz="704088" rtl="0" eaLnBrk="1" latinLnBrk="0" hangingPunct="1">
+      <a:lvl3pPr marL="971550" indent="-194310" algn="l" defTabSz="777240" rtl="0" eaLnBrk="1" latinLnBrk="0" hangingPunct="1">
         <a:lnSpc>
           <a:spcPct val="90000"/>
         </a:lnSpc>
         <a:spcBef>
-          <a:spcPts val="385"/>
+          <a:spcPts val="425"/>
         </a:spcBef>
         <a:buFont typeface="Arial" panose="020B0604020202020204" pitchFamily="34" charset="0"/>
         <a:buChar char="•"/>
-        <a:defRPr sz="1540" kern="1200">
+        <a:defRPr sz="1700" kern="1200">
           <a:solidFill>
             <a:schemeClr val="tx1"/>
           </a:solidFill>
@@ -2746,16 +2746,16 @@
           <a:cs typeface="+mn-cs"/>
         </a:defRPr>
       </a:lvl3pPr>
-      <a:lvl4pPr marL="1232154" indent="-176022" algn="l" defTabSz="704088" rtl="0" eaLnBrk="1" latinLnBrk="0" hangingPunct="1">
+      <a:lvl4pPr marL="1360170" indent="-194310" algn="l" defTabSz="777240" rtl="0" eaLnBrk="1" latinLnBrk="0" hangingPunct="1">
         <a:lnSpc>
           <a:spcPct val="90000"/>
         </a:lnSpc>
         <a:spcBef>
-          <a:spcPts val="385"/>
+          <a:spcPts val="425"/>
         </a:spcBef>
         <a:buFont typeface="Arial" panose="020B0604020202020204" pitchFamily="34" charset="0"/>
         <a:buChar char="•"/>
-        <a:defRPr sz="1386" kern="1200">
+        <a:defRPr sz="1530" kern="1200">
           <a:solidFill>
             <a:schemeClr val="tx1"/>
           </a:solidFill>
@@ -2764,16 +2764,16 @@
           <a:cs typeface="+mn-cs"/>
         </a:defRPr>
       </a:lvl4pPr>
-      <a:lvl5pPr marL="1584198" indent="-176022" algn="l" defTabSz="704088" rtl="0" eaLnBrk="1" latinLnBrk="0" hangingPunct="1">
+      <a:lvl5pPr marL="1748790" indent="-194310" algn="l" defTabSz="777240" rtl="0" eaLnBrk="1" latinLnBrk="0" hangingPunct="1">
         <a:lnSpc>
           <a:spcPct val="90000"/>
         </a:lnSpc>
         <a:spcBef>
-          <a:spcPts val="385"/>
+          <a:spcPts val="425"/>
         </a:spcBef>
         <a:buFont typeface="Arial" panose="020B0604020202020204" pitchFamily="34" charset="0"/>
         <a:buChar char="•"/>
-        <a:defRPr sz="1386" kern="1200">
+        <a:defRPr sz="1530" kern="1200">
           <a:solidFill>
             <a:schemeClr val="tx1"/>
           </a:solidFill>
@@ -2782,16 +2782,16 @@
           <a:cs typeface="+mn-cs"/>
         </a:defRPr>
       </a:lvl5pPr>
-      <a:lvl6pPr marL="1936242" indent="-176022" algn="l" defTabSz="704088" rtl="0" eaLnBrk="1" latinLnBrk="0" hangingPunct="1">
+      <a:lvl6pPr marL="2137410" indent="-194310" algn="l" defTabSz="777240" rtl="0" eaLnBrk="1" latinLnBrk="0" hangingPunct="1">
         <a:lnSpc>
           <a:spcPct val="90000"/>
         </a:lnSpc>
         <a:spcBef>
-          <a:spcPts val="385"/>
+          <a:spcPts val="425"/>
         </a:spcBef>
         <a:buFont typeface="Arial" panose="020B0604020202020204" pitchFamily="34" charset="0"/>
         <a:buChar char="•"/>
-        <a:defRPr sz="1386" kern="1200">
+        <a:defRPr sz="1530" kern="1200">
           <a:solidFill>
             <a:schemeClr val="tx1"/>
           </a:solidFill>
@@ -2800,16 +2800,16 @@
           <a:cs typeface="+mn-cs"/>
         </a:defRPr>
       </a:lvl6pPr>
-      <a:lvl7pPr marL="2288286" indent="-176022" algn="l" defTabSz="704088" rtl="0" eaLnBrk="1" latinLnBrk="0" hangingPunct="1">
+      <a:lvl7pPr marL="2526030" indent="-194310" algn="l" defTabSz="777240" rtl="0" eaLnBrk="1" latinLnBrk="0" hangingPunct="1">
         <a:lnSpc>
           <a:spcPct val="90000"/>
         </a:lnSpc>
         <a:spcBef>
-          <a:spcPts val="385"/>
+          <a:spcPts val="425"/>
         </a:spcBef>
         <a:buFont typeface="Arial" panose="020B0604020202020204" pitchFamily="34" charset="0"/>
         <a:buChar char="•"/>
-        <a:defRPr sz="1386" kern="1200">
+        <a:defRPr sz="1530" kern="1200">
           <a:solidFill>
             <a:schemeClr val="tx1"/>
           </a:solidFill>
@@ -2818,16 +2818,16 @@
           <a:cs typeface="+mn-cs"/>
         </a:defRPr>
       </a:lvl7pPr>
-      <a:lvl8pPr marL="2640330" indent="-176022" algn="l" defTabSz="704088" rtl="0" eaLnBrk="1" latinLnBrk="0" hangingPunct="1">
+      <a:lvl8pPr marL="2914650" indent="-194310" algn="l" defTabSz="777240" rtl="0" eaLnBrk="1" latinLnBrk="0" hangingPunct="1">
         <a:lnSpc>
           <a:spcPct val="90000"/>
         </a:lnSpc>
         <a:spcBef>
-          <a:spcPts val="385"/>
+          <a:spcPts val="425"/>
         </a:spcBef>
         <a:buFont typeface="Arial" panose="020B0604020202020204" pitchFamily="34" charset="0"/>
         <a:buChar char="•"/>
-        <a:defRPr sz="1386" kern="1200">
+        <a:defRPr sz="1530" kern="1200">
           <a:solidFill>
             <a:schemeClr val="tx1"/>
           </a:solidFill>
@@ -2836,16 +2836,16 @@
           <a:cs typeface="+mn-cs"/>
         </a:defRPr>
       </a:lvl8pPr>
-      <a:lvl9pPr marL="2992374" indent="-176022" algn="l" defTabSz="704088" rtl="0" eaLnBrk="1" latinLnBrk="0" hangingPunct="1">
+      <a:lvl9pPr marL="3303270" indent="-194310" algn="l" defTabSz="777240" rtl="0" eaLnBrk="1" latinLnBrk="0" hangingPunct="1">
         <a:lnSpc>
           <a:spcPct val="90000"/>
         </a:lnSpc>
         <a:spcBef>
-          <a:spcPts val="385"/>
+          <a:spcPts val="425"/>
         </a:spcBef>
         <a:buFont typeface="Arial" panose="020B0604020202020204" pitchFamily="34" charset="0"/>
         <a:buChar char="•"/>
-        <a:defRPr sz="1386" kern="1200">
+        <a:defRPr sz="1530" kern="1200">
           <a:solidFill>
             <a:schemeClr val="tx1"/>
           </a:solidFill>
@@ -2859,8 +2859,8 @@
       <a:defPPr>
         <a:defRPr lang="en-US"/>
       </a:defPPr>
-      <a:lvl1pPr marL="0" algn="l" defTabSz="704088" rtl="0" eaLnBrk="1" latinLnBrk="0" hangingPunct="1">
-        <a:defRPr sz="1386" kern="1200">
+      <a:lvl1pPr marL="0" algn="l" defTabSz="777240" rtl="0" eaLnBrk="1" latinLnBrk="0" hangingPunct="1">
+        <a:defRPr sz="1530" kern="1200">
           <a:solidFill>
             <a:schemeClr val="tx1"/>
           </a:solidFill>
@@ -2869,8 +2869,8 @@
           <a:cs typeface="+mn-cs"/>
         </a:defRPr>
       </a:lvl1pPr>
-      <a:lvl2pPr marL="352044" algn="l" defTabSz="704088" rtl="0" eaLnBrk="1" latinLnBrk="0" hangingPunct="1">
-        <a:defRPr sz="1386" kern="1200">
+      <a:lvl2pPr marL="388620" algn="l" defTabSz="777240" rtl="0" eaLnBrk="1" latinLnBrk="0" hangingPunct="1">
+        <a:defRPr sz="1530" kern="1200">
           <a:solidFill>
             <a:schemeClr val="tx1"/>
           </a:solidFill>
@@ -2879,8 +2879,8 @@
           <a:cs typeface="+mn-cs"/>
         </a:defRPr>
       </a:lvl2pPr>
-      <a:lvl3pPr marL="704088" algn="l" defTabSz="704088" rtl="0" eaLnBrk="1" latinLnBrk="0" hangingPunct="1">
-        <a:defRPr sz="1386" kern="1200">
+      <a:lvl3pPr marL="777240" algn="l" defTabSz="777240" rtl="0" eaLnBrk="1" latinLnBrk="0" hangingPunct="1">
+        <a:defRPr sz="1530" kern="1200">
           <a:solidFill>
             <a:schemeClr val="tx1"/>
           </a:solidFill>
@@ -2889,8 +2889,8 @@
           <a:cs typeface="+mn-cs"/>
         </a:defRPr>
       </a:lvl3pPr>
-      <a:lvl4pPr marL="1056132" algn="l" defTabSz="704088" rtl="0" eaLnBrk="1" latinLnBrk="0" hangingPunct="1">
-        <a:defRPr sz="1386" kern="1200">
+      <a:lvl4pPr marL="1165860" algn="l" defTabSz="777240" rtl="0" eaLnBrk="1" latinLnBrk="0" hangingPunct="1">
+        <a:defRPr sz="1530" kern="1200">
           <a:solidFill>
             <a:schemeClr val="tx1"/>
           </a:solidFill>
@@ -2899,8 +2899,8 @@
           <a:cs typeface="+mn-cs"/>
         </a:defRPr>
       </a:lvl4pPr>
-      <a:lvl5pPr marL="1408176" algn="l" defTabSz="704088" rtl="0" eaLnBrk="1" latinLnBrk="0" hangingPunct="1">
-        <a:defRPr sz="1386" kern="1200">
+      <a:lvl5pPr marL="1554480" algn="l" defTabSz="777240" rtl="0" eaLnBrk="1" latinLnBrk="0" hangingPunct="1">
+        <a:defRPr sz="1530" kern="1200">
           <a:solidFill>
             <a:schemeClr val="tx1"/>
           </a:solidFill>
@@ -2909,8 +2909,8 @@
           <a:cs typeface="+mn-cs"/>
         </a:defRPr>
       </a:lvl5pPr>
-      <a:lvl6pPr marL="1760220" algn="l" defTabSz="704088" rtl="0" eaLnBrk="1" latinLnBrk="0" hangingPunct="1">
-        <a:defRPr sz="1386" kern="1200">
+      <a:lvl6pPr marL="1943100" algn="l" defTabSz="777240" rtl="0" eaLnBrk="1" latinLnBrk="0" hangingPunct="1">
+        <a:defRPr sz="1530" kern="1200">
           <a:solidFill>
             <a:schemeClr val="tx1"/>
           </a:solidFill>
@@ -2919,8 +2919,8 @@
           <a:cs typeface="+mn-cs"/>
         </a:defRPr>
       </a:lvl6pPr>
-      <a:lvl7pPr marL="2112264" algn="l" defTabSz="704088" rtl="0" eaLnBrk="1" latinLnBrk="0" hangingPunct="1">
-        <a:defRPr sz="1386" kern="1200">
+      <a:lvl7pPr marL="2331720" algn="l" defTabSz="777240" rtl="0" eaLnBrk="1" latinLnBrk="0" hangingPunct="1">
+        <a:defRPr sz="1530" kern="1200">
           <a:solidFill>
             <a:schemeClr val="tx1"/>
           </a:solidFill>
@@ -2929,8 +2929,8 @@
           <a:cs typeface="+mn-cs"/>
         </a:defRPr>
       </a:lvl7pPr>
-      <a:lvl8pPr marL="2464308" algn="l" defTabSz="704088" rtl="0" eaLnBrk="1" latinLnBrk="0" hangingPunct="1">
-        <a:defRPr sz="1386" kern="1200">
+      <a:lvl8pPr marL="2720340" algn="l" defTabSz="777240" rtl="0" eaLnBrk="1" latinLnBrk="0" hangingPunct="1">
+        <a:defRPr sz="1530" kern="1200">
           <a:solidFill>
             <a:schemeClr val="tx1"/>
           </a:solidFill>
@@ -2939,8 +2939,8 @@
           <a:cs typeface="+mn-cs"/>
         </a:defRPr>
       </a:lvl8pPr>
-      <a:lvl9pPr marL="2816352" algn="l" defTabSz="704088" rtl="0" eaLnBrk="1" latinLnBrk="0" hangingPunct="1">
-        <a:defRPr sz="1386" kern="1200">
+      <a:lvl9pPr marL="3108960" algn="l" defTabSz="777240" rtl="0" eaLnBrk="1" latinLnBrk="0" hangingPunct="1">
+        <a:defRPr sz="1530" kern="1200">
           <a:solidFill>
             <a:schemeClr val="tx1"/>
           </a:solidFill>
@@ -2985,7 +2985,7 @@
         </p:nvSpPr>
         <p:spPr>
           <a:xfrm>
-            <a:off x="737226" y="924045"/>
+            <a:off x="1226133" y="924045"/>
             <a:ext cx="3657600" cy="7315200"/>
           </a:xfrm>
           <a:prstGeom prst="rect">
@@ -3041,7 +3041,7 @@
         </p:nvSpPr>
         <p:spPr>
           <a:xfrm>
-            <a:off x="1651626" y="5494643"/>
+            <a:off x="2140533" y="5494643"/>
             <a:ext cx="1828800" cy="1828800"/>
           </a:xfrm>
           <a:prstGeom prst="ellipse">
@@ -3097,7 +3097,7 @@
         </p:nvCxnSpPr>
         <p:spPr>
           <a:xfrm>
-            <a:off x="2566026" y="6409044"/>
+            <a:off x="3054933" y="6409044"/>
             <a:ext cx="0" cy="1830202"/>
           </a:xfrm>
           <a:prstGeom prst="straightConnector1">
@@ -3137,8 +3137,8 @@
         </p:nvSpPr>
         <p:spPr>
           <a:xfrm>
-            <a:off x="2219707" y="7487692"/>
-            <a:ext cx="734496" cy="461665"/>
+            <a:off x="2701314" y="7484811"/>
+            <a:ext cx="1241045" cy="461665"/>
           </a:xfrm>
           <a:prstGeom prst="rect">
             <a:avLst/>
@@ -3155,12 +3155,13 @@
           </a:bodyPr>
           <a:lstStyle/>
           <a:p>
+            <a:pPr algn="ctr"/>
             <a:r>
               <a:rPr lang="en-US" sz="2400" b="1" dirty="0">
                 <a:latin typeface="Verdana" panose="020B0604030504040204" pitchFamily="34" charset="0"/>
                 <a:ea typeface="Verdana" panose="020B0604030504040204" pitchFamily="34" charset="0"/>
               </a:rPr>
-              <a:t>0.5</a:t>
+              <a:t>0.5cm</a:t>
             </a:r>
           </a:p>
         </p:txBody>
@@ -3181,7 +3182,7 @@
         </p:nvCxnSpPr>
         <p:spPr>
           <a:xfrm flipH="1">
-            <a:off x="737236" y="6435319"/>
+            <a:off x="1226144" y="6435319"/>
             <a:ext cx="1828801" cy="0"/>
           </a:xfrm>
           <a:prstGeom prst="straightConnector1">
@@ -3221,8 +3222,8 @@
         </p:nvSpPr>
         <p:spPr>
           <a:xfrm rot="16200000">
-            <a:off x="943581" y="6208351"/>
-            <a:ext cx="734496" cy="461665"/>
+            <a:off x="1179215" y="5930291"/>
+            <a:ext cx="1241045" cy="461665"/>
           </a:xfrm>
           <a:prstGeom prst="rect">
             <a:avLst/>
@@ -3249,9 +3250,10 @@
             </a:lvl1pPr>
           </a:lstStyle>
           <a:p>
+            <a:pPr algn="ctr"/>
             <a:r>
               <a:rPr lang="en-US" dirty="0"/>
-              <a:t>0.5</a:t>
+              <a:t>0.5cm</a:t>
             </a:r>
           </a:p>
         </p:txBody>
@@ -3272,7 +3274,7 @@
         </p:nvCxnSpPr>
         <p:spPr>
           <a:xfrm>
-            <a:off x="385129" y="924045"/>
+            <a:off x="874036" y="924045"/>
             <a:ext cx="0" cy="7341476"/>
           </a:xfrm>
           <a:prstGeom prst="straightConnector1">
@@ -3312,7 +3314,7 @@
         </p:nvCxnSpPr>
         <p:spPr>
           <a:xfrm flipH="1">
-            <a:off x="185445" y="924045"/>
+            <a:off x="674353" y="924045"/>
             <a:ext cx="370489" cy="0"/>
           </a:xfrm>
           <a:prstGeom prst="line">
@@ -3353,7 +3355,7 @@
         </p:nvCxnSpPr>
         <p:spPr>
           <a:xfrm flipH="1">
-            <a:off x="199895" y="8265521"/>
+            <a:off x="688803" y="8265521"/>
             <a:ext cx="370489" cy="0"/>
           </a:xfrm>
           <a:prstGeom prst="line">
@@ -3394,8 +3396,8 @@
         </p:nvSpPr>
         <p:spPr>
           <a:xfrm>
-            <a:off x="168539" y="4363961"/>
-            <a:ext cx="404278" cy="461665"/>
+            <a:off x="259798" y="4363962"/>
+            <a:ext cx="910827" cy="461665"/>
           </a:xfrm>
           <a:prstGeom prst="rect">
             <a:avLst/>
@@ -3420,9 +3422,10 @@
             </a:lvl1pPr>
           </a:lstStyle>
           <a:p>
+            <a:pPr algn="ctr"/>
             <a:r>
               <a:rPr lang="en-US" dirty="0"/>
-              <a:t>2</a:t>
+              <a:t>2cm</a:t>
             </a:r>
           </a:p>
         </p:txBody>
@@ -3443,7 +3446,7 @@
         </p:nvCxnSpPr>
         <p:spPr>
           <a:xfrm flipH="1">
-            <a:off x="737237" y="8351452"/>
+            <a:off x="1226145" y="8351453"/>
             <a:ext cx="1" cy="412531"/>
           </a:xfrm>
           <a:prstGeom prst="line">
@@ -3486,7 +3489,7 @@
         </p:nvCxnSpPr>
         <p:spPr>
           <a:xfrm flipH="1">
-            <a:off x="4394836" y="8351452"/>
+            <a:off x="4883744" y="8351453"/>
             <a:ext cx="1" cy="412531"/>
           </a:xfrm>
           <a:prstGeom prst="line">
@@ -3529,7 +3532,7 @@
         </p:nvCxnSpPr>
         <p:spPr>
           <a:xfrm flipH="1">
-            <a:off x="737227" y="8553675"/>
+            <a:off x="1226134" y="8553675"/>
             <a:ext cx="3657598" cy="0"/>
           </a:xfrm>
           <a:prstGeom prst="straightConnector1">
@@ -3569,8 +3572,8 @@
         </p:nvSpPr>
         <p:spPr>
           <a:xfrm>
-            <a:off x="2363887" y="8356615"/>
-            <a:ext cx="404278" cy="461665"/>
+            <a:off x="2599521" y="8356616"/>
+            <a:ext cx="910827" cy="461665"/>
           </a:xfrm>
           <a:prstGeom prst="rect">
             <a:avLst/>
@@ -3595,9 +3598,10 @@
             </a:lvl1pPr>
           </a:lstStyle>
           <a:p>
+            <a:pPr algn="ctr"/>
             <a:r>
               <a:rPr lang="en-US" dirty="0"/>
-              <a:t>1</a:t>
+              <a:t>1cm</a:t>
             </a:r>
           </a:p>
         </p:txBody>
@@ -3618,7 +3622,7 @@
         </p:nvCxnSpPr>
         <p:spPr>
           <a:xfrm flipH="1">
-            <a:off x="2556470" y="7323443"/>
+            <a:off x="3045378" y="7323443"/>
             <a:ext cx="2327099" cy="0"/>
           </a:xfrm>
           <a:prstGeom prst="line">
@@ -3661,7 +3665,7 @@
         </p:nvCxnSpPr>
         <p:spPr>
           <a:xfrm flipH="1">
-            <a:off x="2556460" y="5502526"/>
+            <a:off x="3045367" y="5502526"/>
             <a:ext cx="2327098" cy="0"/>
           </a:xfrm>
           <a:prstGeom prst="line">
@@ -3704,7 +3708,7 @@
         </p:nvCxnSpPr>
         <p:spPr>
           <a:xfrm>
-            <a:off x="4746923" y="5494643"/>
+            <a:off x="5235830" y="5494643"/>
             <a:ext cx="0" cy="1856478"/>
           </a:xfrm>
           <a:prstGeom prst="straightConnector1">
@@ -3744,8 +3748,8 @@
         </p:nvSpPr>
         <p:spPr>
           <a:xfrm>
-            <a:off x="4484778" y="6173757"/>
-            <a:ext cx="734496" cy="461665"/>
+            <a:off x="4973686" y="6173758"/>
+            <a:ext cx="1241045" cy="461665"/>
           </a:xfrm>
           <a:prstGeom prst="rect">
             <a:avLst/>
@@ -3765,7 +3769,7 @@
                 <a:latin typeface="Verdana" panose="020B0604030504040204" pitchFamily="34" charset="0"/>
                 <a:ea typeface="Verdana" panose="020B0604030504040204" pitchFamily="34" charset="0"/>
               </a:rPr>
-              <a:t>0.5</a:t>
+              <a:t>0.5cm</a:t>
             </a:r>
           </a:p>
         </p:txBody>
@@ -3786,7 +3790,7 @@
         </p:nvCxnSpPr>
         <p:spPr>
           <a:xfrm flipV="1">
-            <a:off x="999984" y="7185954"/>
+            <a:off x="1488891" y="7185955"/>
             <a:ext cx="0" cy="763403"/>
           </a:xfrm>
           <a:prstGeom prst="straightConnector1">
@@ -3828,7 +3832,7 @@
         </p:nvCxnSpPr>
         <p:spPr>
           <a:xfrm flipV="1">
-            <a:off x="990603" y="7949357"/>
+            <a:off x="1479510" y="7949358"/>
             <a:ext cx="722958" cy="1"/>
           </a:xfrm>
           <a:prstGeom prst="straightConnector1">
@@ -3868,7 +3872,7 @@
         </p:nvSpPr>
         <p:spPr>
           <a:xfrm>
-            <a:off x="1605074" y="7508228"/>
+            <a:off x="2093981" y="7508229"/>
             <a:ext cx="367408" cy="461665"/>
           </a:xfrm>
           <a:prstGeom prst="rect">
@@ -3906,7 +3910,7 @@
         </p:nvSpPr>
         <p:spPr>
           <a:xfrm>
-            <a:off x="1045531" y="6893321"/>
+            <a:off x="1534438" y="6893322"/>
             <a:ext cx="367408" cy="461665"/>
           </a:xfrm>
           <a:prstGeom prst="rect">
@@ -3944,7 +3948,7 @@
         </p:nvSpPr>
         <p:spPr>
           <a:xfrm>
-            <a:off x="1693618" y="3237918"/>
+            <a:off x="2182526" y="3237919"/>
             <a:ext cx="1744837" cy="646331"/>
           </a:xfrm>
           <a:prstGeom prst="rect">
@@ -3996,7 +4000,7 @@
         </p:nvSpPr>
         <p:spPr>
           <a:xfrm>
-            <a:off x="1766837" y="5636653"/>
+            <a:off x="2255744" y="5636654"/>
             <a:ext cx="1597360" cy="646331"/>
           </a:xfrm>
           <a:prstGeom prst="rect">
@@ -4050,7 +4054,7 @@
         </p:nvCxnSpPr>
         <p:spPr>
           <a:xfrm flipH="1" flipV="1">
-            <a:off x="3210397" y="8237846"/>
+            <a:off x="3699305" y="8237846"/>
             <a:ext cx="612283" cy="689428"/>
           </a:xfrm>
           <a:prstGeom prst="line">
@@ -4091,7 +4095,7 @@
         </p:nvSpPr>
         <p:spPr>
           <a:xfrm>
-            <a:off x="1651824" y="23842"/>
+            <a:off x="2140731" y="23843"/>
             <a:ext cx="3803670" cy="471539"/>
           </a:xfrm>
           <a:prstGeom prst="rect">
@@ -4132,7 +4136,7 @@
         </p:nvCxnSpPr>
         <p:spPr>
           <a:xfrm flipH="1">
-            <a:off x="3210396" y="499555"/>
+            <a:off x="3699304" y="499556"/>
             <a:ext cx="357529" cy="409615"/>
           </a:xfrm>
           <a:prstGeom prst="line">
@@ -4173,7 +4177,7 @@
         </p:nvSpPr>
         <p:spPr>
           <a:xfrm>
-            <a:off x="4484777" y="1812180"/>
+            <a:off x="4973684" y="1812181"/>
             <a:ext cx="2487604" cy="461665"/>
           </a:xfrm>
           <a:prstGeom prst="rect">
@@ -4213,7 +4217,7 @@
         </p:nvCxnSpPr>
         <p:spPr>
           <a:xfrm flipH="1">
-            <a:off x="4419440" y="2235340"/>
+            <a:off x="4908348" y="2235341"/>
             <a:ext cx="357529" cy="409615"/>
           </a:xfrm>
           <a:prstGeom prst="line">
@@ -4254,7 +4258,7 @@
         </p:nvSpPr>
         <p:spPr>
           <a:xfrm>
-            <a:off x="806257" y="1808325"/>
+            <a:off x="1295164" y="1808326"/>
             <a:ext cx="2487604" cy="461665"/>
           </a:xfrm>
           <a:prstGeom prst="rect">
@@ -4294,7 +4298,7 @@
         </p:nvCxnSpPr>
         <p:spPr>
           <a:xfrm flipH="1">
-            <a:off x="740919" y="2231486"/>
+            <a:off x="1229827" y="2231487"/>
             <a:ext cx="357529" cy="409615"/>
           </a:xfrm>
           <a:prstGeom prst="line">
@@ -4335,7 +4339,7 @@
         </p:nvSpPr>
         <p:spPr>
           <a:xfrm>
-            <a:off x="1947913" y="8860232"/>
+            <a:off x="2436821" y="8860233"/>
             <a:ext cx="3719031" cy="461665"/>
           </a:xfrm>
           <a:prstGeom prst="rect">

--- a/JCP/figs/domain_schematics/risingBubble.pptx
+++ b/JCP/figs/domain_schematics/risingBubble.pptx
@@ -243,7 +243,7 @@
           <a:p>
             <a:fld id="{EA69AB3C-1A45-4681-BC17-85E44D931731}" type="datetimeFigureOut">
               <a:rPr lang="en-US" smtClean="0"/>
-              <a:t>10/20/2021</a:t>
+              <a:t>11/7/2021</a:t>
             </a:fld>
             <a:endParaRPr lang="en-US"/>
           </a:p>
@@ -413,7 +413,7 @@
           <a:p>
             <a:fld id="{EA69AB3C-1A45-4681-BC17-85E44D931731}" type="datetimeFigureOut">
               <a:rPr lang="en-US" smtClean="0"/>
-              <a:t>10/20/2021</a:t>
+              <a:t>11/7/2021</a:t>
             </a:fld>
             <a:endParaRPr lang="en-US"/>
           </a:p>
@@ -593,7 +593,7 @@
           <a:p>
             <a:fld id="{EA69AB3C-1A45-4681-BC17-85E44D931731}" type="datetimeFigureOut">
               <a:rPr lang="en-US" smtClean="0"/>
-              <a:t>10/20/2021</a:t>
+              <a:t>11/7/2021</a:t>
             </a:fld>
             <a:endParaRPr lang="en-US"/>
           </a:p>
@@ -763,7 +763,7 @@
           <a:p>
             <a:fld id="{EA69AB3C-1A45-4681-BC17-85E44D931731}" type="datetimeFigureOut">
               <a:rPr lang="en-US" smtClean="0"/>
-              <a:t>10/20/2021</a:t>
+              <a:t>11/7/2021</a:t>
             </a:fld>
             <a:endParaRPr lang="en-US"/>
           </a:p>
@@ -1007,7 +1007,7 @@
           <a:p>
             <a:fld id="{EA69AB3C-1A45-4681-BC17-85E44D931731}" type="datetimeFigureOut">
               <a:rPr lang="en-US" smtClean="0"/>
-              <a:t>10/20/2021</a:t>
+              <a:t>11/7/2021</a:t>
             </a:fld>
             <a:endParaRPr lang="en-US"/>
           </a:p>
@@ -1239,7 +1239,7 @@
           <a:p>
             <a:fld id="{EA69AB3C-1A45-4681-BC17-85E44D931731}" type="datetimeFigureOut">
               <a:rPr lang="en-US" smtClean="0"/>
-              <a:t>10/20/2021</a:t>
+              <a:t>11/7/2021</a:t>
             </a:fld>
             <a:endParaRPr lang="en-US"/>
           </a:p>
@@ -1606,7 +1606,7 @@
           <a:p>
             <a:fld id="{EA69AB3C-1A45-4681-BC17-85E44D931731}" type="datetimeFigureOut">
               <a:rPr lang="en-US" smtClean="0"/>
-              <a:t>10/20/2021</a:t>
+              <a:t>11/7/2021</a:t>
             </a:fld>
             <a:endParaRPr lang="en-US"/>
           </a:p>
@@ -1724,7 +1724,7 @@
           <a:p>
             <a:fld id="{EA69AB3C-1A45-4681-BC17-85E44D931731}" type="datetimeFigureOut">
               <a:rPr lang="en-US" smtClean="0"/>
-              <a:t>10/20/2021</a:t>
+              <a:t>11/7/2021</a:t>
             </a:fld>
             <a:endParaRPr lang="en-US"/>
           </a:p>
@@ -1819,7 +1819,7 @@
           <a:p>
             <a:fld id="{EA69AB3C-1A45-4681-BC17-85E44D931731}" type="datetimeFigureOut">
               <a:rPr lang="en-US" smtClean="0"/>
-              <a:t>10/20/2021</a:t>
+              <a:t>11/7/2021</a:t>
             </a:fld>
             <a:endParaRPr lang="en-US"/>
           </a:p>
@@ -2096,7 +2096,7 @@
           <a:p>
             <a:fld id="{EA69AB3C-1A45-4681-BC17-85E44D931731}" type="datetimeFigureOut">
               <a:rPr lang="en-US" smtClean="0"/>
-              <a:t>10/20/2021</a:t>
+              <a:t>11/7/2021</a:t>
             </a:fld>
             <a:endParaRPr lang="en-US"/>
           </a:p>
@@ -2353,7 +2353,7 @@
           <a:p>
             <a:fld id="{EA69AB3C-1A45-4681-BC17-85E44D931731}" type="datetimeFigureOut">
               <a:rPr lang="en-US" smtClean="0"/>
-              <a:t>10/20/2021</a:t>
+              <a:t>11/7/2021</a:t>
             </a:fld>
             <a:endParaRPr lang="en-US"/>
           </a:p>
@@ -2566,7 +2566,7 @@
           <a:p>
             <a:fld id="{EA69AB3C-1A45-4681-BC17-85E44D931731}" type="datetimeFigureOut">
               <a:rPr lang="en-US" smtClean="0"/>
-              <a:t>10/20/2021</a:t>
+              <a:t>11/7/2021</a:t>
             </a:fld>
             <a:endParaRPr lang="en-US"/>
           </a:p>
@@ -3077,7 +3077,7 @@
           <a:lstStyle/>
           <a:p>
             <a:pPr algn="ctr"/>
-            <a:endParaRPr lang="en-US" dirty="0"/>
+            <a:endParaRPr lang="en-US" sz="2000" dirty="0"/>
           </a:p>
         </p:txBody>
       </p:sp>
@@ -3934,58 +3934,120 @@
           </a:p>
         </p:txBody>
       </p:sp>
-      <p:sp>
-        <p:nvSpPr>
-          <p:cNvPr id="34" name="TextBox 33">
-            <a:extLst>
-              <a:ext uri="{FF2B5EF4-FFF2-40B4-BE49-F238E27FC236}">
-                <a16:creationId xmlns:a16="http://schemas.microsoft.com/office/drawing/2014/main" id="{B6CE1365-62A0-49CC-A422-DB8D9DBECE8B}"/>
-              </a:ext>
-            </a:extLst>
-          </p:cNvPr>
-          <p:cNvSpPr txBox="1"/>
-          <p:nvPr/>
-        </p:nvSpPr>
-        <p:spPr>
-          <a:xfrm>
-            <a:off x="2182526" y="3237919"/>
-            <a:ext cx="1744837" cy="646331"/>
-          </a:xfrm>
-          <a:prstGeom prst="rect">
-            <a:avLst/>
-          </a:prstGeom>
-          <a:noFill/>
-        </p:spPr>
-        <p:txBody>
-          <a:bodyPr wrap="none" rtlCol="0">
-            <a:spAutoFit/>
-          </a:bodyPr>
-          <a:lstStyle>
-            <a:defPPr>
-              <a:defRPr lang="en-US"/>
-            </a:defPPr>
-            <a:lvl1pPr algn="ctr">
-              <a:defRPr sz="1600">
-                <a:latin typeface="Verdana" panose="020B0604030504040204" pitchFamily="34" charset="0"/>
-                <a:ea typeface="Verdana" panose="020B0604030504040204" pitchFamily="34" charset="0"/>
-              </a:defRPr>
-            </a:lvl1pPr>
-          </a:lstStyle>
-          <a:p>
-            <a:r>
-              <a:rPr lang="en-US" sz="1800" dirty="0"/>
-              <a:t>Liquid</a:t>
-            </a:r>
-            <a:br>
-              <a:rPr lang="en-US" sz="1800" dirty="0"/>
-            </a:br>
-            <a:r>
-              <a:rPr lang="en-US" sz="1800" dirty="0"/>
-              <a:t>(10x density)</a:t>
-            </a:r>
-          </a:p>
-        </p:txBody>
-      </p:sp>
+      <mc:AlternateContent xmlns:mc="http://schemas.openxmlformats.org/markup-compatibility/2006">
+        <mc:Choice xmlns:a14="http://schemas.microsoft.com/office/drawing/2010/main" Requires="a14">
+          <p:sp>
+            <p:nvSpPr>
+              <p:cNvPr id="34" name="TextBox 33">
+                <a:extLst>
+                  <a:ext uri="{FF2B5EF4-FFF2-40B4-BE49-F238E27FC236}">
+                    <a16:creationId xmlns:a16="http://schemas.microsoft.com/office/drawing/2014/main" id="{B6CE1365-62A0-49CC-A422-DB8D9DBECE8B}"/>
+                  </a:ext>
+                </a:extLst>
+              </p:cNvPr>
+              <p:cNvSpPr txBox="1"/>
+              <p:nvPr/>
+            </p:nvSpPr>
+            <p:spPr>
+              <a:xfrm>
+                <a:off x="1767415" y="3237919"/>
+                <a:ext cx="2575065" cy="707886"/>
+              </a:xfrm>
+              <a:prstGeom prst="rect">
+                <a:avLst/>
+              </a:prstGeom>
+              <a:noFill/>
+            </p:spPr>
+            <p:txBody>
+              <a:bodyPr wrap="none" rtlCol="0">
+                <a:spAutoFit/>
+              </a:bodyPr>
+              <a:lstStyle>
+                <a:defPPr>
+                  <a:defRPr lang="en-US"/>
+                </a:defPPr>
+                <a:lvl1pPr algn="ctr">
+                  <a:defRPr sz="1600">
+                    <a:latin typeface="Verdana" panose="020B0604030504040204" pitchFamily="34" charset="0"/>
+                    <a:ea typeface="Verdana" panose="020B0604030504040204" pitchFamily="34" charset="0"/>
+                  </a:defRPr>
+                </a:lvl1pPr>
+              </a:lstStyle>
+              <a:p>
+                <a:r>
+                  <a:rPr lang="en-US" sz="2000" dirty="0"/>
+                  <a:t>Liquid</a:t>
+                </a:r>
+                <a:br>
+                  <a:rPr lang="en-US" sz="2000" dirty="0"/>
+                </a:br>
+                <a:r>
+                  <a:rPr lang="en-US" sz="2000" dirty="0"/>
+                  <a:t>(10 </a:t>
+                </a:r>
+                <a14:m>
+                  <m:oMath xmlns:m="http://schemas.openxmlformats.org/officeDocument/2006/math">
+                    <m:r>
+                      <a:rPr lang="en-US" sz="2000" b="0" i="1" smtClean="0">
+                        <a:latin typeface="Cambria Math" panose="02040503050406030204" pitchFamily="18" charset="0"/>
+                      </a:rPr>
+                      <m:t>×</m:t>
+                    </m:r>
+                  </m:oMath>
+                </a14:m>
+                <a:r>
+                  <a:rPr lang="en-US" sz="2000" dirty="0"/>
+                  <a:t> gas density)</a:t>
+                </a:r>
+              </a:p>
+            </p:txBody>
+          </p:sp>
+        </mc:Choice>
+        <mc:Fallback>
+          <p:sp>
+            <p:nvSpPr>
+              <p:cNvPr id="34" name="TextBox 33">
+                <a:extLst>
+                  <a:ext uri="{FF2B5EF4-FFF2-40B4-BE49-F238E27FC236}">
+                    <a16:creationId xmlns:a16="http://schemas.microsoft.com/office/drawing/2014/main" id="{B6CE1365-62A0-49CC-A422-DB8D9DBECE8B}"/>
+                  </a:ext>
+                </a:extLst>
+              </p:cNvPr>
+              <p:cNvSpPr txBox="1">
+                <a:spLocks noRot="1" noChangeAspect="1" noMove="1" noResize="1" noEditPoints="1" noAdjustHandles="1" noChangeArrowheads="1" noChangeShapeType="1" noTextEdit="1"/>
+              </p:cNvSpPr>
+              <p:nvPr/>
+            </p:nvSpPr>
+            <p:spPr>
+              <a:xfrm>
+                <a:off x="1767415" y="3237919"/>
+                <a:ext cx="2575065" cy="707886"/>
+              </a:xfrm>
+              <a:prstGeom prst="rect">
+                <a:avLst/>
+              </a:prstGeom>
+              <a:blipFill>
+                <a:blip r:embed="rId2"/>
+                <a:stretch>
+                  <a:fillRect l="-2370" t="-4310" r="-2607" b="-14655"/>
+                </a:stretch>
+              </a:blipFill>
+            </p:spPr>
+            <p:txBody>
+              <a:bodyPr/>
+              <a:lstStyle/>
+              <a:p>
+                <a:r>
+                  <a:rPr lang="en-US">
+                    <a:noFill/>
+                  </a:rPr>
+                  <a:t> </a:t>
+                </a:r>
+              </a:p>
+            </p:txBody>
+          </p:sp>
+        </mc:Fallback>
+      </mc:AlternateContent>
       <p:sp>
         <p:nvSpPr>
           <p:cNvPr id="35" name="TextBox 34">
@@ -4000,8 +4062,8 @@
         </p:nvSpPr>
         <p:spPr>
           <a:xfrm>
-            <a:off x="2255744" y="5636654"/>
-            <a:ext cx="1597360" cy="646331"/>
+            <a:off x="2710179" y="5841909"/>
+            <a:ext cx="670376" cy="400110"/>
           </a:xfrm>
           <a:prstGeom prst="rect">
             <a:avLst/>
@@ -4016,24 +4078,11 @@
           <a:p>
             <a:pPr algn="ctr"/>
             <a:r>
-              <a:rPr lang="en-US" dirty="0">
+              <a:rPr lang="en-US" sz="2000" dirty="0">
                 <a:latin typeface="Verdana" panose="020B0604030504040204" pitchFamily="34" charset="0"/>
                 <a:ea typeface="Verdana" panose="020B0604030504040204" pitchFamily="34" charset="0"/>
               </a:rPr>
               <a:t>Gas</a:t>
-            </a:r>
-            <a:br>
-              <a:rPr lang="en-US" dirty="0">
-                <a:latin typeface="Verdana" panose="020B0604030504040204" pitchFamily="34" charset="0"/>
-                <a:ea typeface="Verdana" panose="020B0604030504040204" pitchFamily="34" charset="0"/>
-              </a:rPr>
-            </a:br>
-            <a:r>
-              <a:rPr lang="en-US" dirty="0">
-                <a:latin typeface="Verdana" panose="020B0604030504040204" pitchFamily="34" charset="0"/>
-                <a:ea typeface="Verdana" panose="020B0604030504040204" pitchFamily="34" charset="0"/>
-              </a:rPr>
-              <a:t>(1x density)</a:t>
             </a:r>
           </a:p>
         </p:txBody>
